--- a/проект.pptx
+++ b/проект.pptx
@@ -41,7 +41,7 @@
             <a:spLocks noGrp="1"/>
           </p:cNvSpPr>
           <p:nvPr>
-            <p:ph type="ftr" idx="2"/>
+            <p:ph type="ftr" idx="1"/>
           </p:nvPr>
         </p:nvSpPr>
         <p:spPr/>
@@ -61,14 +61,14 @@
             <a:spLocks noGrp="1"/>
           </p:cNvSpPr>
           <p:nvPr>
-            <p:ph type="sldNum" idx="3"/>
+            <p:ph type="sldNum" idx="2"/>
           </p:nvPr>
         </p:nvSpPr>
         <p:spPr/>
         <p:txBody>
           <a:bodyPr/>
           <a:p>
-            <a:fld id="{F95B0CA4-8A08-4553-8161-7BFD6DB973BA}" type="slidenum">
+            <a:fld id="{77B04793-0186-4293-99B5-FDA73A62BCA8}" type="slidenum">
               <a:t>&lt;#&gt;</a:t>
             </a:fld>
           </a:p>
@@ -81,7 +81,7 @@
             <a:spLocks noGrp="1"/>
           </p:cNvSpPr>
           <p:nvPr>
-            <p:ph type="dt" idx="1"/>
+            <p:ph type="dt" idx="3"/>
           </p:nvPr>
         </p:nvSpPr>
         <p:spPr/>
@@ -119,7 +119,7 @@
       </p:grpSpPr>
       <p:sp>
         <p:nvSpPr>
-          <p:cNvPr id="26" name="PlaceHolder 1"/>
+          <p:cNvPr id="28" name="PlaceHolder 1"/>
           <p:cNvSpPr>
             <a:spLocks noGrp="1"/>
           </p:cNvSpPr>
@@ -130,7 +130,7 @@
         <p:spPr>
           <a:xfrm>
             <a:off x="838080" y="365040"/>
-            <a:ext cx="10515240" cy="1325160"/>
+            <a:ext cx="10514880" cy="1324800"/>
           </a:xfrm>
           <a:prstGeom prst="rect">
             <a:avLst/>
@@ -145,21 +145,21 @@
             <a:noAutofit/>
           </a:bodyPr>
           <a:p>
-            <a:pPr indent="0">
+            <a:pPr indent="0" algn="ctr">
               <a:buNone/>
             </a:pPr>
-            <a:endParaRPr b="0" lang="ru-RU" sz="1800" spc="-1" strike="noStrike">
-              <a:solidFill>
-                <a:schemeClr val="dk1"/>
-              </a:solidFill>
-              <a:latin typeface="Aptos"/>
-            </a:endParaRPr>
-          </a:p>
-        </p:txBody>
-      </p:sp>
-      <p:sp>
-        <p:nvSpPr>
-          <p:cNvPr id="27" name="PlaceHolder 2"/>
+            <a:endParaRPr b="0" lang="ru-RU" sz="4400" spc="-1" strike="noStrike">
+              <a:solidFill>
+                <a:srgbClr val="000000"/>
+              </a:solidFill>
+              <a:latin typeface="XO Oriel"/>
+            </a:endParaRPr>
+          </a:p>
+        </p:txBody>
+      </p:sp>
+      <p:sp>
+        <p:nvSpPr>
+          <p:cNvPr id="29" name="PlaceHolder 2"/>
           <p:cNvSpPr>
             <a:spLocks noGrp="1"/>
           </p:cNvSpPr>
@@ -169,8 +169,8 @@
         </p:nvSpPr>
         <p:spPr>
           <a:xfrm>
-            <a:off x="838080" y="1825560"/>
-            <a:ext cx="10515240" cy="2075040"/>
+            <a:off x="609480" y="1604520"/>
+            <a:ext cx="10972440" cy="1896840"/>
           </a:xfrm>
           <a:prstGeom prst="rect">
             <a:avLst/>
@@ -186,26 +186,23 @@
           </a:bodyPr>
           <a:p>
             <a:pPr indent="0">
-              <a:lnSpc>
-                <a:spcPct val="90000"/>
-              </a:lnSpc>
               <a:spcBef>
                 <a:spcPts val="1417"/>
               </a:spcBef>
               <a:buNone/>
             </a:pPr>
-            <a:endParaRPr b="0" lang="ru-RU" sz="2800" spc="-1" strike="noStrike">
-              <a:solidFill>
-                <a:schemeClr val="dk1"/>
-              </a:solidFill>
-              <a:latin typeface="Aptos"/>
-            </a:endParaRPr>
-          </a:p>
-        </p:txBody>
-      </p:sp>
-      <p:sp>
-        <p:nvSpPr>
-          <p:cNvPr id="28" name="PlaceHolder 3"/>
+            <a:endParaRPr b="0" lang="ru-RU" sz="3200" spc="-1" strike="noStrike">
+              <a:solidFill>
+                <a:srgbClr val="000000"/>
+              </a:solidFill>
+              <a:latin typeface="XO Oriel"/>
+            </a:endParaRPr>
+          </a:p>
+        </p:txBody>
+      </p:sp>
+      <p:sp>
+        <p:nvSpPr>
+          <p:cNvPr id="30" name="PlaceHolder 3"/>
           <p:cNvSpPr>
             <a:spLocks noGrp="1"/>
           </p:cNvSpPr>
@@ -215,8 +212,8 @@
         </p:nvSpPr>
         <p:spPr>
           <a:xfrm>
-            <a:off x="838080" y="4098240"/>
-            <a:ext cx="10515240" cy="2075040"/>
+            <a:off x="609480" y="3682080"/>
+            <a:ext cx="10972440" cy="1896840"/>
           </a:xfrm>
           <a:prstGeom prst="rect">
             <a:avLst/>
@@ -232,19 +229,16 @@
           </a:bodyPr>
           <a:p>
             <a:pPr indent="0">
-              <a:lnSpc>
-                <a:spcPct val="90000"/>
-              </a:lnSpc>
               <a:spcBef>
                 <a:spcPts val="1417"/>
               </a:spcBef>
               <a:buNone/>
             </a:pPr>
-            <a:endParaRPr b="0" lang="ru-RU" sz="2800" spc="-1" strike="noStrike">
-              <a:solidFill>
-                <a:schemeClr val="dk1"/>
-              </a:solidFill>
-              <a:latin typeface="Aptos"/>
+            <a:endParaRPr b="0" lang="ru-RU" sz="3200" spc="-1" strike="noStrike">
+              <a:solidFill>
+                <a:srgbClr val="000000"/>
+              </a:solidFill>
+              <a:latin typeface="XO Oriel"/>
             </a:endParaRPr>
           </a:p>
         </p:txBody>
@@ -256,7 +250,7 @@
             <a:spLocks noGrp="1"/>
           </p:cNvSpPr>
           <p:nvPr>
-            <p:ph type="ftr" idx="2"/>
+            <p:ph type="ftr" idx="1"/>
           </p:nvPr>
         </p:nvSpPr>
         <p:spPr/>
@@ -276,14 +270,14 @@
             <a:spLocks noGrp="1"/>
           </p:cNvSpPr>
           <p:nvPr>
-            <p:ph type="sldNum" idx="3"/>
+            <p:ph type="sldNum" idx="2"/>
           </p:nvPr>
         </p:nvSpPr>
         <p:spPr/>
         <p:txBody>
           <a:bodyPr/>
           <a:p>
-            <a:fld id="{27FC0D79-1C59-4302-BD53-EBFEC7EA8D9C}" type="slidenum">
+            <a:fld id="{711CF01E-5325-415D-B8B3-16480DAC9147}" type="slidenum">
               <a:t>&lt;#&gt;</a:t>
             </a:fld>
           </a:p>
@@ -296,7 +290,7 @@
             <a:spLocks noGrp="1"/>
           </p:cNvSpPr>
           <p:nvPr>
-            <p:ph type="dt" idx="1"/>
+            <p:ph type="dt" idx="3"/>
           </p:nvPr>
         </p:nvSpPr>
         <p:spPr/>
@@ -334,7 +328,7 @@
       </p:grpSpPr>
       <p:sp>
         <p:nvSpPr>
-          <p:cNvPr id="29" name="PlaceHolder 1"/>
+          <p:cNvPr id="31" name="PlaceHolder 1"/>
           <p:cNvSpPr>
             <a:spLocks noGrp="1"/>
           </p:cNvSpPr>
@@ -345,7 +339,7 @@
         <p:spPr>
           <a:xfrm>
             <a:off x="838080" y="365040"/>
-            <a:ext cx="10515240" cy="1325160"/>
+            <a:ext cx="10514880" cy="1324800"/>
           </a:xfrm>
           <a:prstGeom prst="rect">
             <a:avLst/>
@@ -360,21 +354,21 @@
             <a:noAutofit/>
           </a:bodyPr>
           <a:p>
-            <a:pPr indent="0">
+            <a:pPr indent="0" algn="ctr">
               <a:buNone/>
             </a:pPr>
-            <a:endParaRPr b="0" lang="ru-RU" sz="1800" spc="-1" strike="noStrike">
-              <a:solidFill>
-                <a:schemeClr val="dk1"/>
-              </a:solidFill>
-              <a:latin typeface="Aptos"/>
-            </a:endParaRPr>
-          </a:p>
-        </p:txBody>
-      </p:sp>
-      <p:sp>
-        <p:nvSpPr>
-          <p:cNvPr id="30" name="PlaceHolder 2"/>
+            <a:endParaRPr b="0" lang="ru-RU" sz="4400" spc="-1" strike="noStrike">
+              <a:solidFill>
+                <a:srgbClr val="000000"/>
+              </a:solidFill>
+              <a:latin typeface="XO Oriel"/>
+            </a:endParaRPr>
+          </a:p>
+        </p:txBody>
+      </p:sp>
+      <p:sp>
+        <p:nvSpPr>
+          <p:cNvPr id="32" name="PlaceHolder 2"/>
           <p:cNvSpPr>
             <a:spLocks noGrp="1"/>
           </p:cNvSpPr>
@@ -384,8 +378,8 @@
         </p:nvSpPr>
         <p:spPr>
           <a:xfrm>
-            <a:off x="838080" y="1825560"/>
-            <a:ext cx="5131080" cy="2075040"/>
+            <a:off x="609480" y="1604520"/>
+            <a:ext cx="5354280" cy="1896840"/>
           </a:xfrm>
           <a:prstGeom prst="rect">
             <a:avLst/>
@@ -401,26 +395,23 @@
           </a:bodyPr>
           <a:p>
             <a:pPr indent="0">
-              <a:lnSpc>
-                <a:spcPct val="90000"/>
-              </a:lnSpc>
               <a:spcBef>
                 <a:spcPts val="1417"/>
               </a:spcBef>
               <a:buNone/>
             </a:pPr>
-            <a:endParaRPr b="0" lang="ru-RU" sz="2800" spc="-1" strike="noStrike">
-              <a:solidFill>
-                <a:schemeClr val="dk1"/>
-              </a:solidFill>
-              <a:latin typeface="Aptos"/>
-            </a:endParaRPr>
-          </a:p>
-        </p:txBody>
-      </p:sp>
-      <p:sp>
-        <p:nvSpPr>
-          <p:cNvPr id="31" name="PlaceHolder 3"/>
+            <a:endParaRPr b="0" lang="ru-RU" sz="3200" spc="-1" strike="noStrike">
+              <a:solidFill>
+                <a:srgbClr val="000000"/>
+              </a:solidFill>
+              <a:latin typeface="XO Oriel"/>
+            </a:endParaRPr>
+          </a:p>
+        </p:txBody>
+      </p:sp>
+      <p:sp>
+        <p:nvSpPr>
+          <p:cNvPr id="33" name="PlaceHolder 3"/>
           <p:cNvSpPr>
             <a:spLocks noGrp="1"/>
           </p:cNvSpPr>
@@ -430,8 +421,8 @@
         </p:nvSpPr>
         <p:spPr>
           <a:xfrm>
-            <a:off x="6226200" y="1825560"/>
-            <a:ext cx="5131080" cy="2075040"/>
+            <a:off x="6231960" y="1604520"/>
+            <a:ext cx="5354280" cy="1896840"/>
           </a:xfrm>
           <a:prstGeom prst="rect">
             <a:avLst/>
@@ -447,26 +438,23 @@
           </a:bodyPr>
           <a:p>
             <a:pPr indent="0">
-              <a:lnSpc>
-                <a:spcPct val="90000"/>
-              </a:lnSpc>
               <a:spcBef>
                 <a:spcPts val="1417"/>
               </a:spcBef>
               <a:buNone/>
             </a:pPr>
-            <a:endParaRPr b="0" lang="ru-RU" sz="2800" spc="-1" strike="noStrike">
-              <a:solidFill>
-                <a:schemeClr val="dk1"/>
-              </a:solidFill>
-              <a:latin typeface="Aptos"/>
-            </a:endParaRPr>
-          </a:p>
-        </p:txBody>
-      </p:sp>
-      <p:sp>
-        <p:nvSpPr>
-          <p:cNvPr id="32" name="PlaceHolder 4"/>
+            <a:endParaRPr b="0" lang="ru-RU" sz="3200" spc="-1" strike="noStrike">
+              <a:solidFill>
+                <a:srgbClr val="000000"/>
+              </a:solidFill>
+              <a:latin typeface="XO Oriel"/>
+            </a:endParaRPr>
+          </a:p>
+        </p:txBody>
+      </p:sp>
+      <p:sp>
+        <p:nvSpPr>
+          <p:cNvPr id="34" name="PlaceHolder 4"/>
           <p:cNvSpPr>
             <a:spLocks noGrp="1"/>
           </p:cNvSpPr>
@@ -476,8 +464,8 @@
         </p:nvSpPr>
         <p:spPr>
           <a:xfrm>
-            <a:off x="838080" y="4098240"/>
-            <a:ext cx="5131080" cy="2075040"/>
+            <a:off x="609480" y="3682080"/>
+            <a:ext cx="5354280" cy="1896840"/>
           </a:xfrm>
           <a:prstGeom prst="rect">
             <a:avLst/>
@@ -493,26 +481,23 @@
           </a:bodyPr>
           <a:p>
             <a:pPr indent="0">
-              <a:lnSpc>
-                <a:spcPct val="90000"/>
-              </a:lnSpc>
               <a:spcBef>
                 <a:spcPts val="1417"/>
               </a:spcBef>
               <a:buNone/>
             </a:pPr>
-            <a:endParaRPr b="0" lang="ru-RU" sz="2800" spc="-1" strike="noStrike">
-              <a:solidFill>
-                <a:schemeClr val="dk1"/>
-              </a:solidFill>
-              <a:latin typeface="Aptos"/>
-            </a:endParaRPr>
-          </a:p>
-        </p:txBody>
-      </p:sp>
-      <p:sp>
-        <p:nvSpPr>
-          <p:cNvPr id="33" name="PlaceHolder 5"/>
+            <a:endParaRPr b="0" lang="ru-RU" sz="3200" spc="-1" strike="noStrike">
+              <a:solidFill>
+                <a:srgbClr val="000000"/>
+              </a:solidFill>
+              <a:latin typeface="XO Oriel"/>
+            </a:endParaRPr>
+          </a:p>
+        </p:txBody>
+      </p:sp>
+      <p:sp>
+        <p:nvSpPr>
+          <p:cNvPr id="35" name="PlaceHolder 5"/>
           <p:cNvSpPr>
             <a:spLocks noGrp="1"/>
           </p:cNvSpPr>
@@ -522,8 +507,8 @@
         </p:nvSpPr>
         <p:spPr>
           <a:xfrm>
-            <a:off x="6226200" y="4098240"/>
-            <a:ext cx="5131080" cy="2075040"/>
+            <a:off x="6231960" y="3682080"/>
+            <a:ext cx="5354280" cy="1896840"/>
           </a:xfrm>
           <a:prstGeom prst="rect">
             <a:avLst/>
@@ -539,19 +524,16 @@
           </a:bodyPr>
           <a:p>
             <a:pPr indent="0">
-              <a:lnSpc>
-                <a:spcPct val="90000"/>
-              </a:lnSpc>
               <a:spcBef>
                 <a:spcPts val="1417"/>
               </a:spcBef>
               <a:buNone/>
             </a:pPr>
-            <a:endParaRPr b="0" lang="ru-RU" sz="2800" spc="-1" strike="noStrike">
-              <a:solidFill>
-                <a:schemeClr val="dk1"/>
-              </a:solidFill>
-              <a:latin typeface="Aptos"/>
+            <a:endParaRPr b="0" lang="ru-RU" sz="3200" spc="-1" strike="noStrike">
+              <a:solidFill>
+                <a:srgbClr val="000000"/>
+              </a:solidFill>
+              <a:latin typeface="XO Oriel"/>
             </a:endParaRPr>
           </a:p>
         </p:txBody>
@@ -563,7 +545,7 @@
             <a:spLocks noGrp="1"/>
           </p:cNvSpPr>
           <p:nvPr>
-            <p:ph type="ftr" idx="2"/>
+            <p:ph type="ftr" idx="1"/>
           </p:nvPr>
         </p:nvSpPr>
         <p:spPr/>
@@ -583,14 +565,14 @@
             <a:spLocks noGrp="1"/>
           </p:cNvSpPr>
           <p:nvPr>
-            <p:ph type="sldNum" idx="3"/>
+            <p:ph type="sldNum" idx="2"/>
           </p:nvPr>
         </p:nvSpPr>
         <p:spPr/>
         <p:txBody>
           <a:bodyPr/>
           <a:p>
-            <a:fld id="{7DCF1B60-F46D-4540-ADB1-377C03493312}" type="slidenum">
+            <a:fld id="{2397F3C5-F012-459F-84F3-2BBFF1046601}" type="slidenum">
               <a:t>&lt;#&gt;</a:t>
             </a:fld>
           </a:p>
@@ -603,7 +585,7 @@
             <a:spLocks noGrp="1"/>
           </p:cNvSpPr>
           <p:nvPr>
-            <p:ph type="dt" idx="1"/>
+            <p:ph type="dt" idx="3"/>
           </p:nvPr>
         </p:nvSpPr>
         <p:spPr/>
@@ -641,7 +623,7 @@
       </p:grpSpPr>
       <p:sp>
         <p:nvSpPr>
-          <p:cNvPr id="34" name="PlaceHolder 1"/>
+          <p:cNvPr id="36" name="PlaceHolder 1"/>
           <p:cNvSpPr>
             <a:spLocks noGrp="1"/>
           </p:cNvSpPr>
@@ -652,7 +634,7 @@
         <p:spPr>
           <a:xfrm>
             <a:off x="838080" y="365040"/>
-            <a:ext cx="10515240" cy="1325160"/>
+            <a:ext cx="10514880" cy="1324800"/>
           </a:xfrm>
           <a:prstGeom prst="rect">
             <a:avLst/>
@@ -667,21 +649,64 @@
             <a:noAutofit/>
           </a:bodyPr>
           <a:p>
+            <a:pPr indent="0" algn="ctr">
+              <a:buNone/>
+            </a:pPr>
+            <a:endParaRPr b="0" lang="ru-RU" sz="4400" spc="-1" strike="noStrike">
+              <a:solidFill>
+                <a:srgbClr val="000000"/>
+              </a:solidFill>
+              <a:latin typeface="XO Oriel"/>
+            </a:endParaRPr>
+          </a:p>
+        </p:txBody>
+      </p:sp>
+      <p:sp>
+        <p:nvSpPr>
+          <p:cNvPr id="37" name="PlaceHolder 2"/>
+          <p:cNvSpPr>
+            <a:spLocks noGrp="1"/>
+          </p:cNvSpPr>
+          <p:nvPr>
+            <p:ph/>
+          </p:nvPr>
+        </p:nvSpPr>
+        <p:spPr>
+          <a:xfrm>
+            <a:off x="609480" y="1604520"/>
+            <a:ext cx="3533040" cy="1896840"/>
+          </a:xfrm>
+          <a:prstGeom prst="rect">
+            <a:avLst/>
+          </a:prstGeom>
+          <a:noFill/>
+          <a:ln w="0">
+            <a:noFill/>
+          </a:ln>
+        </p:spPr>
+        <p:txBody>
+          <a:bodyPr lIns="0" rIns="0" tIns="0" bIns="0" anchor="t">
+            <a:normAutofit fontScale="99052" lnSpcReduction="20000"/>
+          </a:bodyPr>
+          <a:p>
             <a:pPr indent="0">
+              <a:spcBef>
+                <a:spcPts val="1417"/>
+              </a:spcBef>
               <a:buNone/>
             </a:pPr>
-            <a:endParaRPr b="0" lang="ru-RU" sz="1800" spc="-1" strike="noStrike">
-              <a:solidFill>
-                <a:schemeClr val="dk1"/>
-              </a:solidFill>
-              <a:latin typeface="Aptos"/>
-            </a:endParaRPr>
-          </a:p>
-        </p:txBody>
-      </p:sp>
-      <p:sp>
-        <p:nvSpPr>
-          <p:cNvPr id="35" name="PlaceHolder 2"/>
+            <a:endParaRPr b="0" lang="ru-RU" sz="3200" spc="-1" strike="noStrike">
+              <a:solidFill>
+                <a:srgbClr val="000000"/>
+              </a:solidFill>
+              <a:latin typeface="XO Oriel"/>
+            </a:endParaRPr>
+          </a:p>
+        </p:txBody>
+      </p:sp>
+      <p:sp>
+        <p:nvSpPr>
+          <p:cNvPr id="38" name="PlaceHolder 3"/>
           <p:cNvSpPr>
             <a:spLocks noGrp="1"/>
           </p:cNvSpPr>
@@ -691,8 +716,8 @@
         </p:nvSpPr>
         <p:spPr>
           <a:xfrm>
-            <a:off x="838080" y="1825560"/>
-            <a:ext cx="3385800" cy="2075040"/>
+            <a:off x="4319640" y="1604520"/>
+            <a:ext cx="3533040" cy="1896840"/>
           </a:xfrm>
           <a:prstGeom prst="rect">
             <a:avLst/>
@@ -704,30 +729,27 @@
         </p:spPr>
         <p:txBody>
           <a:bodyPr lIns="0" rIns="0" tIns="0" bIns="0" anchor="t">
-            <a:normAutofit/>
+            <a:normAutofit fontScale="99052" lnSpcReduction="20000"/>
           </a:bodyPr>
           <a:p>
             <a:pPr indent="0">
-              <a:lnSpc>
-                <a:spcPct val="90000"/>
-              </a:lnSpc>
               <a:spcBef>
                 <a:spcPts val="1417"/>
               </a:spcBef>
               <a:buNone/>
             </a:pPr>
-            <a:endParaRPr b="0" lang="ru-RU" sz="2800" spc="-1" strike="noStrike">
-              <a:solidFill>
-                <a:schemeClr val="dk1"/>
-              </a:solidFill>
-              <a:latin typeface="Aptos"/>
-            </a:endParaRPr>
-          </a:p>
-        </p:txBody>
-      </p:sp>
-      <p:sp>
-        <p:nvSpPr>
-          <p:cNvPr id="36" name="PlaceHolder 3"/>
+            <a:endParaRPr b="0" lang="ru-RU" sz="3200" spc="-1" strike="noStrike">
+              <a:solidFill>
+                <a:srgbClr val="000000"/>
+              </a:solidFill>
+              <a:latin typeface="XO Oriel"/>
+            </a:endParaRPr>
+          </a:p>
+        </p:txBody>
+      </p:sp>
+      <p:sp>
+        <p:nvSpPr>
+          <p:cNvPr id="39" name="PlaceHolder 4"/>
           <p:cNvSpPr>
             <a:spLocks noGrp="1"/>
           </p:cNvSpPr>
@@ -737,8 +759,8 @@
         </p:nvSpPr>
         <p:spPr>
           <a:xfrm>
-            <a:off x="4393440" y="1825560"/>
-            <a:ext cx="3385800" cy="2075040"/>
+            <a:off x="8029800" y="1604520"/>
+            <a:ext cx="3533040" cy="1896840"/>
           </a:xfrm>
           <a:prstGeom prst="rect">
             <a:avLst/>
@@ -750,30 +772,27 @@
         </p:spPr>
         <p:txBody>
           <a:bodyPr lIns="0" rIns="0" tIns="0" bIns="0" anchor="t">
-            <a:normAutofit/>
+            <a:normAutofit fontScale="99052" lnSpcReduction="20000"/>
           </a:bodyPr>
           <a:p>
             <a:pPr indent="0">
-              <a:lnSpc>
-                <a:spcPct val="90000"/>
-              </a:lnSpc>
               <a:spcBef>
                 <a:spcPts val="1417"/>
               </a:spcBef>
               <a:buNone/>
             </a:pPr>
-            <a:endParaRPr b="0" lang="ru-RU" sz="2800" spc="-1" strike="noStrike">
-              <a:solidFill>
-                <a:schemeClr val="dk1"/>
-              </a:solidFill>
-              <a:latin typeface="Aptos"/>
-            </a:endParaRPr>
-          </a:p>
-        </p:txBody>
-      </p:sp>
-      <p:sp>
-        <p:nvSpPr>
-          <p:cNvPr id="37" name="PlaceHolder 4"/>
+            <a:endParaRPr b="0" lang="ru-RU" sz="3200" spc="-1" strike="noStrike">
+              <a:solidFill>
+                <a:srgbClr val="000000"/>
+              </a:solidFill>
+              <a:latin typeface="XO Oriel"/>
+            </a:endParaRPr>
+          </a:p>
+        </p:txBody>
+      </p:sp>
+      <p:sp>
+        <p:nvSpPr>
+          <p:cNvPr id="40" name="PlaceHolder 5"/>
           <p:cNvSpPr>
             <a:spLocks noGrp="1"/>
           </p:cNvSpPr>
@@ -783,8 +802,8 @@
         </p:nvSpPr>
         <p:spPr>
           <a:xfrm>
-            <a:off x="7949160" y="1825560"/>
-            <a:ext cx="3385800" cy="2075040"/>
+            <a:off x="609480" y="3682080"/>
+            <a:ext cx="3533040" cy="1896840"/>
           </a:xfrm>
           <a:prstGeom prst="rect">
             <a:avLst/>
@@ -796,30 +815,27 @@
         </p:spPr>
         <p:txBody>
           <a:bodyPr lIns="0" rIns="0" tIns="0" bIns="0" anchor="t">
-            <a:normAutofit/>
+            <a:normAutofit fontScale="99052" lnSpcReduction="20000"/>
           </a:bodyPr>
           <a:p>
             <a:pPr indent="0">
-              <a:lnSpc>
-                <a:spcPct val="90000"/>
-              </a:lnSpc>
               <a:spcBef>
                 <a:spcPts val="1417"/>
               </a:spcBef>
               <a:buNone/>
             </a:pPr>
-            <a:endParaRPr b="0" lang="ru-RU" sz="2800" spc="-1" strike="noStrike">
-              <a:solidFill>
-                <a:schemeClr val="dk1"/>
-              </a:solidFill>
-              <a:latin typeface="Aptos"/>
-            </a:endParaRPr>
-          </a:p>
-        </p:txBody>
-      </p:sp>
-      <p:sp>
-        <p:nvSpPr>
-          <p:cNvPr id="38" name="PlaceHolder 5"/>
+            <a:endParaRPr b="0" lang="ru-RU" sz="3200" spc="-1" strike="noStrike">
+              <a:solidFill>
+                <a:srgbClr val="000000"/>
+              </a:solidFill>
+              <a:latin typeface="XO Oriel"/>
+            </a:endParaRPr>
+          </a:p>
+        </p:txBody>
+      </p:sp>
+      <p:sp>
+        <p:nvSpPr>
+          <p:cNvPr id="41" name="PlaceHolder 6"/>
           <p:cNvSpPr>
             <a:spLocks noGrp="1"/>
           </p:cNvSpPr>
@@ -829,8 +845,8 @@
         </p:nvSpPr>
         <p:spPr>
           <a:xfrm>
-            <a:off x="838080" y="4098240"/>
-            <a:ext cx="3385800" cy="2075040"/>
+            <a:off x="4319640" y="3682080"/>
+            <a:ext cx="3533040" cy="1896840"/>
           </a:xfrm>
           <a:prstGeom prst="rect">
             <a:avLst/>
@@ -842,30 +858,27 @@
         </p:spPr>
         <p:txBody>
           <a:bodyPr lIns="0" rIns="0" tIns="0" bIns="0" anchor="t">
-            <a:normAutofit/>
+            <a:normAutofit fontScale="99052" lnSpcReduction="20000"/>
           </a:bodyPr>
           <a:p>
             <a:pPr indent="0">
-              <a:lnSpc>
-                <a:spcPct val="90000"/>
-              </a:lnSpc>
               <a:spcBef>
                 <a:spcPts val="1417"/>
               </a:spcBef>
               <a:buNone/>
             </a:pPr>
-            <a:endParaRPr b="0" lang="ru-RU" sz="2800" spc="-1" strike="noStrike">
-              <a:solidFill>
-                <a:schemeClr val="dk1"/>
-              </a:solidFill>
-              <a:latin typeface="Aptos"/>
-            </a:endParaRPr>
-          </a:p>
-        </p:txBody>
-      </p:sp>
-      <p:sp>
-        <p:nvSpPr>
-          <p:cNvPr id="39" name="PlaceHolder 6"/>
+            <a:endParaRPr b="0" lang="ru-RU" sz="3200" spc="-1" strike="noStrike">
+              <a:solidFill>
+                <a:srgbClr val="000000"/>
+              </a:solidFill>
+              <a:latin typeface="XO Oriel"/>
+            </a:endParaRPr>
+          </a:p>
+        </p:txBody>
+      </p:sp>
+      <p:sp>
+        <p:nvSpPr>
+          <p:cNvPr id="42" name="PlaceHolder 7"/>
           <p:cNvSpPr>
             <a:spLocks noGrp="1"/>
           </p:cNvSpPr>
@@ -875,8 +888,8 @@
         </p:nvSpPr>
         <p:spPr>
           <a:xfrm>
-            <a:off x="4393440" y="4098240"/>
-            <a:ext cx="3385800" cy="2075040"/>
+            <a:off x="8029800" y="3682080"/>
+            <a:ext cx="3533040" cy="1896840"/>
           </a:xfrm>
           <a:prstGeom prst="rect">
             <a:avLst/>
@@ -888,69 +901,20 @@
         </p:spPr>
         <p:txBody>
           <a:bodyPr lIns="0" rIns="0" tIns="0" bIns="0" anchor="t">
-            <a:normAutofit/>
+            <a:normAutofit fontScale="99052" lnSpcReduction="20000"/>
           </a:bodyPr>
           <a:p>
             <a:pPr indent="0">
-              <a:lnSpc>
-                <a:spcPct val="90000"/>
-              </a:lnSpc>
               <a:spcBef>
                 <a:spcPts val="1417"/>
               </a:spcBef>
               <a:buNone/>
             </a:pPr>
-            <a:endParaRPr b="0" lang="ru-RU" sz="2800" spc="-1" strike="noStrike">
-              <a:solidFill>
-                <a:schemeClr val="dk1"/>
-              </a:solidFill>
-              <a:latin typeface="Aptos"/>
-            </a:endParaRPr>
-          </a:p>
-        </p:txBody>
-      </p:sp>
-      <p:sp>
-        <p:nvSpPr>
-          <p:cNvPr id="40" name="PlaceHolder 7"/>
-          <p:cNvSpPr>
-            <a:spLocks noGrp="1"/>
-          </p:cNvSpPr>
-          <p:nvPr>
-            <p:ph/>
-          </p:nvPr>
-        </p:nvSpPr>
-        <p:spPr>
-          <a:xfrm>
-            <a:off x="7949160" y="4098240"/>
-            <a:ext cx="3385800" cy="2075040"/>
-          </a:xfrm>
-          <a:prstGeom prst="rect">
-            <a:avLst/>
-          </a:prstGeom>
-          <a:noFill/>
-          <a:ln w="0">
-            <a:noFill/>
-          </a:ln>
-        </p:spPr>
-        <p:txBody>
-          <a:bodyPr lIns="0" rIns="0" tIns="0" bIns="0" anchor="t">
-            <a:normAutofit/>
-          </a:bodyPr>
-          <a:p>
-            <a:pPr indent="0">
-              <a:lnSpc>
-                <a:spcPct val="90000"/>
-              </a:lnSpc>
-              <a:spcBef>
-                <a:spcPts val="1417"/>
-              </a:spcBef>
-              <a:buNone/>
-            </a:pPr>
-            <a:endParaRPr b="0" lang="ru-RU" sz="2800" spc="-1" strike="noStrike">
-              <a:solidFill>
-                <a:schemeClr val="dk1"/>
-              </a:solidFill>
-              <a:latin typeface="Aptos"/>
+            <a:endParaRPr b="0" lang="ru-RU" sz="3200" spc="-1" strike="noStrike">
+              <a:solidFill>
+                <a:srgbClr val="000000"/>
+              </a:solidFill>
+              <a:latin typeface="XO Oriel"/>
             </a:endParaRPr>
           </a:p>
         </p:txBody>
@@ -962,7 +926,7 @@
             <a:spLocks noGrp="1"/>
           </p:cNvSpPr>
           <p:nvPr>
-            <p:ph type="ftr" idx="2"/>
+            <p:ph type="ftr" idx="1"/>
           </p:nvPr>
         </p:nvSpPr>
         <p:spPr/>
@@ -982,14 +946,14 @@
             <a:spLocks noGrp="1"/>
           </p:cNvSpPr>
           <p:nvPr>
-            <p:ph type="sldNum" idx="3"/>
+            <p:ph type="sldNum" idx="2"/>
           </p:nvPr>
         </p:nvSpPr>
         <p:spPr/>
         <p:txBody>
           <a:bodyPr/>
           <a:p>
-            <a:fld id="{755A3F4F-F4D8-4A25-88A0-BECFFAABC542}" type="slidenum">
+            <a:fld id="{FD7EBEAE-BE38-48C3-9B3E-D34E4EE39DC6}" type="slidenum">
               <a:t>&lt;#&gt;</a:t>
             </a:fld>
           </a:p>
@@ -1002,7 +966,7 @@
             <a:spLocks noGrp="1"/>
           </p:cNvSpPr>
           <p:nvPr>
-            <p:ph type="dt" idx="1"/>
+            <p:ph type="dt" idx="3"/>
           </p:nvPr>
         </p:nvSpPr>
         <p:spPr/>
@@ -1040,7 +1004,7 @@
       </p:grpSpPr>
       <p:sp>
         <p:nvSpPr>
-          <p:cNvPr id="5" name="PlaceHolder 1"/>
+          <p:cNvPr id="7" name="PlaceHolder 1"/>
           <p:cNvSpPr>
             <a:spLocks noGrp="1"/>
           </p:cNvSpPr>
@@ -1051,7 +1015,7 @@
         <p:spPr>
           <a:xfrm>
             <a:off x="838080" y="365040"/>
-            <a:ext cx="10515240" cy="1325160"/>
+            <a:ext cx="10514880" cy="1324800"/>
           </a:xfrm>
           <a:prstGeom prst="rect">
             <a:avLst/>
@@ -1066,21 +1030,21 @@
             <a:noAutofit/>
           </a:bodyPr>
           <a:p>
-            <a:pPr indent="0">
+            <a:pPr indent="0" algn="ctr">
               <a:buNone/>
             </a:pPr>
-            <a:endParaRPr b="0" lang="ru-RU" sz="1800" spc="-1" strike="noStrike">
-              <a:solidFill>
-                <a:schemeClr val="dk1"/>
-              </a:solidFill>
-              <a:latin typeface="Aptos"/>
-            </a:endParaRPr>
-          </a:p>
-        </p:txBody>
-      </p:sp>
-      <p:sp>
-        <p:nvSpPr>
-          <p:cNvPr id="6" name="PlaceHolder 2"/>
+            <a:endParaRPr b="0" lang="ru-RU" sz="4400" spc="-1" strike="noStrike">
+              <a:solidFill>
+                <a:srgbClr val="000000"/>
+              </a:solidFill>
+              <a:latin typeface="XO Oriel"/>
+            </a:endParaRPr>
+          </a:p>
+        </p:txBody>
+      </p:sp>
+      <p:sp>
+        <p:nvSpPr>
+          <p:cNvPr id="8" name="PlaceHolder 2"/>
           <p:cNvSpPr>
             <a:spLocks noGrp="1"/>
           </p:cNvSpPr>
@@ -1090,8 +1054,8 @@
         </p:nvSpPr>
         <p:spPr>
           <a:xfrm>
-            <a:off x="838080" y="1825560"/>
-            <a:ext cx="10515240" cy="4350960"/>
+            <a:off x="609480" y="1604520"/>
+            <a:ext cx="10972440" cy="3977280"/>
           </a:xfrm>
           <a:prstGeom prst="rect">
             <a:avLst/>
@@ -1125,7 +1089,7 @@
             <a:spLocks noGrp="1"/>
           </p:cNvSpPr>
           <p:nvPr>
-            <p:ph type="ftr" idx="2"/>
+            <p:ph type="ftr" idx="1"/>
           </p:nvPr>
         </p:nvSpPr>
         <p:spPr/>
@@ -1145,14 +1109,14 @@
             <a:spLocks noGrp="1"/>
           </p:cNvSpPr>
           <p:nvPr>
-            <p:ph type="sldNum" idx="3"/>
+            <p:ph type="sldNum" idx="2"/>
           </p:nvPr>
         </p:nvSpPr>
         <p:spPr/>
         <p:txBody>
           <a:bodyPr/>
           <a:p>
-            <a:fld id="{976E9CCF-E545-4A6B-A619-F31F71E2647A}" type="slidenum">
+            <a:fld id="{8EADB0B7-EC21-4E20-A104-5ED87D02E5E5}" type="slidenum">
               <a:t>&lt;#&gt;</a:t>
             </a:fld>
           </a:p>
@@ -1165,7 +1129,7 @@
             <a:spLocks noGrp="1"/>
           </p:cNvSpPr>
           <p:nvPr>
-            <p:ph type="dt" idx="1"/>
+            <p:ph type="dt" idx="3"/>
           </p:nvPr>
         </p:nvSpPr>
         <p:spPr/>
@@ -1203,7 +1167,7 @@
       </p:grpSpPr>
       <p:sp>
         <p:nvSpPr>
-          <p:cNvPr id="7" name="PlaceHolder 1"/>
+          <p:cNvPr id="9" name="PlaceHolder 1"/>
           <p:cNvSpPr>
             <a:spLocks noGrp="1"/>
           </p:cNvSpPr>
@@ -1214,7 +1178,7 @@
         <p:spPr>
           <a:xfrm>
             <a:off x="838080" y="365040"/>
-            <a:ext cx="10515240" cy="1325160"/>
+            <a:ext cx="10514880" cy="1324800"/>
           </a:xfrm>
           <a:prstGeom prst="rect">
             <a:avLst/>
@@ -1229,21 +1193,21 @@
             <a:noAutofit/>
           </a:bodyPr>
           <a:p>
-            <a:pPr indent="0">
+            <a:pPr indent="0" algn="ctr">
               <a:buNone/>
             </a:pPr>
-            <a:endParaRPr b="0" lang="ru-RU" sz="1800" spc="-1" strike="noStrike">
-              <a:solidFill>
-                <a:schemeClr val="dk1"/>
-              </a:solidFill>
-              <a:latin typeface="Aptos"/>
-            </a:endParaRPr>
-          </a:p>
-        </p:txBody>
-      </p:sp>
-      <p:sp>
-        <p:nvSpPr>
-          <p:cNvPr id="8" name="PlaceHolder 2"/>
+            <a:endParaRPr b="0" lang="ru-RU" sz="4400" spc="-1" strike="noStrike">
+              <a:solidFill>
+                <a:srgbClr val="000000"/>
+              </a:solidFill>
+              <a:latin typeface="XO Oriel"/>
+            </a:endParaRPr>
+          </a:p>
+        </p:txBody>
+      </p:sp>
+      <p:sp>
+        <p:nvSpPr>
+          <p:cNvPr id="10" name="PlaceHolder 2"/>
           <p:cNvSpPr>
             <a:spLocks noGrp="1"/>
           </p:cNvSpPr>
@@ -1253,8 +1217,8 @@
         </p:nvSpPr>
         <p:spPr>
           <a:xfrm>
-            <a:off x="838080" y="1825560"/>
-            <a:ext cx="10515240" cy="4350960"/>
+            <a:off x="609480" y="1604520"/>
+            <a:ext cx="10972440" cy="3977280"/>
           </a:xfrm>
           <a:prstGeom prst="rect">
             <a:avLst/>
@@ -1270,19 +1234,16 @@
           </a:bodyPr>
           <a:p>
             <a:pPr indent="0">
-              <a:lnSpc>
-                <a:spcPct val="90000"/>
-              </a:lnSpc>
               <a:spcBef>
                 <a:spcPts val="1417"/>
               </a:spcBef>
               <a:buNone/>
             </a:pPr>
-            <a:endParaRPr b="0" lang="ru-RU" sz="2800" spc="-1" strike="noStrike">
-              <a:solidFill>
-                <a:schemeClr val="dk1"/>
-              </a:solidFill>
-              <a:latin typeface="Aptos"/>
+            <a:endParaRPr b="0" lang="ru-RU" sz="3200" spc="-1" strike="noStrike">
+              <a:solidFill>
+                <a:srgbClr val="000000"/>
+              </a:solidFill>
+              <a:latin typeface="XO Oriel"/>
             </a:endParaRPr>
           </a:p>
         </p:txBody>
@@ -1294,7 +1255,7 @@
             <a:spLocks noGrp="1"/>
           </p:cNvSpPr>
           <p:nvPr>
-            <p:ph type="ftr" idx="2"/>
+            <p:ph type="ftr" idx="1"/>
           </p:nvPr>
         </p:nvSpPr>
         <p:spPr/>
@@ -1314,14 +1275,14 @@
             <a:spLocks noGrp="1"/>
           </p:cNvSpPr>
           <p:nvPr>
-            <p:ph type="sldNum" idx="3"/>
+            <p:ph type="sldNum" idx="2"/>
           </p:nvPr>
         </p:nvSpPr>
         <p:spPr/>
         <p:txBody>
           <a:bodyPr/>
           <a:p>
-            <a:fld id="{84B6AA93-0308-4899-8B20-93D297394719}" type="slidenum">
+            <a:fld id="{EDD444CF-7602-48D5-93FE-49C18536F53F}" type="slidenum">
               <a:t>&lt;#&gt;</a:t>
             </a:fld>
           </a:p>
@@ -1334,7 +1295,7 @@
             <a:spLocks noGrp="1"/>
           </p:cNvSpPr>
           <p:nvPr>
-            <p:ph type="dt" idx="1"/>
+            <p:ph type="dt" idx="3"/>
           </p:nvPr>
         </p:nvSpPr>
         <p:spPr/>
@@ -1372,7 +1333,7 @@
       </p:grpSpPr>
       <p:sp>
         <p:nvSpPr>
-          <p:cNvPr id="9" name="PlaceHolder 1"/>
+          <p:cNvPr id="11" name="PlaceHolder 1"/>
           <p:cNvSpPr>
             <a:spLocks noGrp="1"/>
           </p:cNvSpPr>
@@ -1383,7 +1344,7 @@
         <p:spPr>
           <a:xfrm>
             <a:off x="838080" y="365040"/>
-            <a:ext cx="10515240" cy="1325160"/>
+            <a:ext cx="10514880" cy="1324800"/>
           </a:xfrm>
           <a:prstGeom prst="rect">
             <a:avLst/>
@@ -1398,21 +1359,21 @@
             <a:noAutofit/>
           </a:bodyPr>
           <a:p>
-            <a:pPr indent="0">
+            <a:pPr indent="0" algn="ctr">
               <a:buNone/>
             </a:pPr>
-            <a:endParaRPr b="0" lang="ru-RU" sz="1800" spc="-1" strike="noStrike">
-              <a:solidFill>
-                <a:schemeClr val="dk1"/>
-              </a:solidFill>
-              <a:latin typeface="Aptos"/>
-            </a:endParaRPr>
-          </a:p>
-        </p:txBody>
-      </p:sp>
-      <p:sp>
-        <p:nvSpPr>
-          <p:cNvPr id="10" name="PlaceHolder 2"/>
+            <a:endParaRPr b="0" lang="ru-RU" sz="4400" spc="-1" strike="noStrike">
+              <a:solidFill>
+                <a:srgbClr val="000000"/>
+              </a:solidFill>
+              <a:latin typeface="XO Oriel"/>
+            </a:endParaRPr>
+          </a:p>
+        </p:txBody>
+      </p:sp>
+      <p:sp>
+        <p:nvSpPr>
+          <p:cNvPr id="12" name="PlaceHolder 2"/>
           <p:cNvSpPr>
             <a:spLocks noGrp="1"/>
           </p:cNvSpPr>
@@ -1422,8 +1383,8 @@
         </p:nvSpPr>
         <p:spPr>
           <a:xfrm>
-            <a:off x="838080" y="1825560"/>
-            <a:ext cx="5131080" cy="4350960"/>
+            <a:off x="609480" y="1604520"/>
+            <a:ext cx="5354280" cy="3977280"/>
           </a:xfrm>
           <a:prstGeom prst="rect">
             <a:avLst/>
@@ -1439,26 +1400,23 @@
           </a:bodyPr>
           <a:p>
             <a:pPr indent="0">
-              <a:lnSpc>
-                <a:spcPct val="90000"/>
-              </a:lnSpc>
               <a:spcBef>
                 <a:spcPts val="1417"/>
               </a:spcBef>
               <a:buNone/>
             </a:pPr>
-            <a:endParaRPr b="0" lang="ru-RU" sz="2800" spc="-1" strike="noStrike">
-              <a:solidFill>
-                <a:schemeClr val="dk1"/>
-              </a:solidFill>
-              <a:latin typeface="Aptos"/>
-            </a:endParaRPr>
-          </a:p>
-        </p:txBody>
-      </p:sp>
-      <p:sp>
-        <p:nvSpPr>
-          <p:cNvPr id="11" name="PlaceHolder 3"/>
+            <a:endParaRPr b="0" lang="ru-RU" sz="3200" spc="-1" strike="noStrike">
+              <a:solidFill>
+                <a:srgbClr val="000000"/>
+              </a:solidFill>
+              <a:latin typeface="XO Oriel"/>
+            </a:endParaRPr>
+          </a:p>
+        </p:txBody>
+      </p:sp>
+      <p:sp>
+        <p:nvSpPr>
+          <p:cNvPr id="13" name="PlaceHolder 3"/>
           <p:cNvSpPr>
             <a:spLocks noGrp="1"/>
           </p:cNvSpPr>
@@ -1468,8 +1426,8 @@
         </p:nvSpPr>
         <p:spPr>
           <a:xfrm>
-            <a:off x="6226200" y="1825560"/>
-            <a:ext cx="5131080" cy="4350960"/>
+            <a:off x="6231960" y="1604520"/>
+            <a:ext cx="5354280" cy="3977280"/>
           </a:xfrm>
           <a:prstGeom prst="rect">
             <a:avLst/>
@@ -1485,19 +1443,16 @@
           </a:bodyPr>
           <a:p>
             <a:pPr indent="0">
-              <a:lnSpc>
-                <a:spcPct val="90000"/>
-              </a:lnSpc>
               <a:spcBef>
                 <a:spcPts val="1417"/>
               </a:spcBef>
               <a:buNone/>
             </a:pPr>
-            <a:endParaRPr b="0" lang="ru-RU" sz="2800" spc="-1" strike="noStrike">
-              <a:solidFill>
-                <a:schemeClr val="dk1"/>
-              </a:solidFill>
-              <a:latin typeface="Aptos"/>
+            <a:endParaRPr b="0" lang="ru-RU" sz="3200" spc="-1" strike="noStrike">
+              <a:solidFill>
+                <a:srgbClr val="000000"/>
+              </a:solidFill>
+              <a:latin typeface="XO Oriel"/>
             </a:endParaRPr>
           </a:p>
         </p:txBody>
@@ -1509,7 +1464,7 @@
             <a:spLocks noGrp="1"/>
           </p:cNvSpPr>
           <p:nvPr>
-            <p:ph type="ftr" idx="2"/>
+            <p:ph type="ftr" idx="1"/>
           </p:nvPr>
         </p:nvSpPr>
         <p:spPr/>
@@ -1529,14 +1484,14 @@
             <a:spLocks noGrp="1"/>
           </p:cNvSpPr>
           <p:nvPr>
-            <p:ph type="sldNum" idx="3"/>
+            <p:ph type="sldNum" idx="2"/>
           </p:nvPr>
         </p:nvSpPr>
         <p:spPr/>
         <p:txBody>
           <a:bodyPr/>
           <a:p>
-            <a:fld id="{73A5C464-899D-43C7-8323-E81CDFAD8CF5}" type="slidenum">
+            <a:fld id="{28F1AD04-8330-4F58-B13E-8A74B03E1230}" type="slidenum">
               <a:t>&lt;#&gt;</a:t>
             </a:fld>
           </a:p>
@@ -1549,7 +1504,7 @@
             <a:spLocks noGrp="1"/>
           </p:cNvSpPr>
           <p:nvPr>
-            <p:ph type="dt" idx="1"/>
+            <p:ph type="dt" idx="3"/>
           </p:nvPr>
         </p:nvSpPr>
         <p:spPr/>
@@ -1587,7 +1542,7 @@
       </p:grpSpPr>
       <p:sp>
         <p:nvSpPr>
-          <p:cNvPr id="12" name="PlaceHolder 1"/>
+          <p:cNvPr id="14" name="PlaceHolder 1"/>
           <p:cNvSpPr>
             <a:spLocks noGrp="1"/>
           </p:cNvSpPr>
@@ -1598,7 +1553,7 @@
         <p:spPr>
           <a:xfrm>
             <a:off x="838080" y="365040"/>
-            <a:ext cx="10515240" cy="1325160"/>
+            <a:ext cx="10514880" cy="1324800"/>
           </a:xfrm>
           <a:prstGeom prst="rect">
             <a:avLst/>
@@ -1613,14 +1568,14 @@
             <a:noAutofit/>
           </a:bodyPr>
           <a:p>
-            <a:pPr indent="0">
+            <a:pPr indent="0" algn="ctr">
               <a:buNone/>
             </a:pPr>
-            <a:endParaRPr b="0" lang="ru-RU" sz="1800" spc="-1" strike="noStrike">
-              <a:solidFill>
-                <a:schemeClr val="dk1"/>
-              </a:solidFill>
-              <a:latin typeface="Aptos"/>
+            <a:endParaRPr b="0" lang="ru-RU" sz="4400" spc="-1" strike="noStrike">
+              <a:solidFill>
+                <a:srgbClr val="000000"/>
+              </a:solidFill>
+              <a:latin typeface="XO Oriel"/>
             </a:endParaRPr>
           </a:p>
         </p:txBody>
@@ -1632,7 +1587,7 @@
             <a:spLocks noGrp="1"/>
           </p:cNvSpPr>
           <p:nvPr>
-            <p:ph type="ftr" idx="2"/>
+            <p:ph type="ftr" idx="1"/>
           </p:nvPr>
         </p:nvSpPr>
         <p:spPr/>
@@ -1652,14 +1607,14 @@
             <a:spLocks noGrp="1"/>
           </p:cNvSpPr>
           <p:nvPr>
-            <p:ph type="sldNum" idx="3"/>
+            <p:ph type="sldNum" idx="2"/>
           </p:nvPr>
         </p:nvSpPr>
         <p:spPr/>
         <p:txBody>
           <a:bodyPr/>
           <a:p>
-            <a:fld id="{B632746D-157F-4F81-BD47-34DE0FABE487}" type="slidenum">
+            <a:fld id="{7DEF04E6-C534-408D-BCFE-4B96A48A17B6}" type="slidenum">
               <a:t>&lt;#&gt;</a:t>
             </a:fld>
           </a:p>
@@ -1672,7 +1627,7 @@
             <a:spLocks noGrp="1"/>
           </p:cNvSpPr>
           <p:nvPr>
-            <p:ph type="dt" idx="1"/>
+            <p:ph type="dt" idx="3"/>
           </p:nvPr>
         </p:nvSpPr>
         <p:spPr/>
@@ -1710,7 +1665,7 @@
       </p:grpSpPr>
       <p:sp>
         <p:nvSpPr>
-          <p:cNvPr id="13" name="PlaceHolder 1"/>
+          <p:cNvPr id="15" name="PlaceHolder 1"/>
           <p:cNvSpPr>
             <a:spLocks noGrp="1"/>
           </p:cNvSpPr>
@@ -1721,7 +1676,7 @@
         <p:spPr>
           <a:xfrm>
             <a:off x="838080" y="365040"/>
-            <a:ext cx="10515240" cy="6144120"/>
+            <a:ext cx="10514880" cy="6142320"/>
           </a:xfrm>
           <a:prstGeom prst="rect">
             <a:avLst/>
@@ -1753,7 +1708,7 @@
             <a:spLocks noGrp="1"/>
           </p:cNvSpPr>
           <p:nvPr>
-            <p:ph type="ftr" idx="2"/>
+            <p:ph type="ftr" idx="1"/>
           </p:nvPr>
         </p:nvSpPr>
         <p:spPr/>
@@ -1773,14 +1728,14 @@
             <a:spLocks noGrp="1"/>
           </p:cNvSpPr>
           <p:nvPr>
-            <p:ph type="sldNum" idx="3"/>
+            <p:ph type="sldNum" idx="2"/>
           </p:nvPr>
         </p:nvSpPr>
         <p:spPr/>
         <p:txBody>
           <a:bodyPr/>
           <a:p>
-            <a:fld id="{4BDE0F6C-CB14-4458-93E9-91FB59E2E31F}" type="slidenum">
+            <a:fld id="{1857038E-5377-4E3B-9521-5E6035B69F32}" type="slidenum">
               <a:t>&lt;#&gt;</a:t>
             </a:fld>
           </a:p>
@@ -1793,7 +1748,7 @@
             <a:spLocks noGrp="1"/>
           </p:cNvSpPr>
           <p:nvPr>
-            <p:ph type="dt" idx="1"/>
+            <p:ph type="dt" idx="3"/>
           </p:nvPr>
         </p:nvSpPr>
         <p:spPr/>
@@ -1831,7 +1786,7 @@
       </p:grpSpPr>
       <p:sp>
         <p:nvSpPr>
-          <p:cNvPr id="14" name="PlaceHolder 1"/>
+          <p:cNvPr id="16" name="PlaceHolder 1"/>
           <p:cNvSpPr>
             <a:spLocks noGrp="1"/>
           </p:cNvSpPr>
@@ -1842,7 +1797,7 @@
         <p:spPr>
           <a:xfrm>
             <a:off x="838080" y="365040"/>
-            <a:ext cx="10515240" cy="1325160"/>
+            <a:ext cx="10514880" cy="1324800"/>
           </a:xfrm>
           <a:prstGeom prst="rect">
             <a:avLst/>
@@ -1857,21 +1812,21 @@
             <a:noAutofit/>
           </a:bodyPr>
           <a:p>
-            <a:pPr indent="0">
+            <a:pPr indent="0" algn="ctr">
               <a:buNone/>
             </a:pPr>
-            <a:endParaRPr b="0" lang="ru-RU" sz="1800" spc="-1" strike="noStrike">
-              <a:solidFill>
-                <a:schemeClr val="dk1"/>
-              </a:solidFill>
-              <a:latin typeface="Aptos"/>
-            </a:endParaRPr>
-          </a:p>
-        </p:txBody>
-      </p:sp>
-      <p:sp>
-        <p:nvSpPr>
-          <p:cNvPr id="15" name="PlaceHolder 2"/>
+            <a:endParaRPr b="0" lang="ru-RU" sz="4400" spc="-1" strike="noStrike">
+              <a:solidFill>
+                <a:srgbClr val="000000"/>
+              </a:solidFill>
+              <a:latin typeface="XO Oriel"/>
+            </a:endParaRPr>
+          </a:p>
+        </p:txBody>
+      </p:sp>
+      <p:sp>
+        <p:nvSpPr>
+          <p:cNvPr id="17" name="PlaceHolder 2"/>
           <p:cNvSpPr>
             <a:spLocks noGrp="1"/>
           </p:cNvSpPr>
@@ -1881,8 +1836,8 @@
         </p:nvSpPr>
         <p:spPr>
           <a:xfrm>
-            <a:off x="838080" y="1825560"/>
-            <a:ext cx="5131080" cy="2075040"/>
+            <a:off x="609480" y="1604520"/>
+            <a:ext cx="5354280" cy="1896840"/>
           </a:xfrm>
           <a:prstGeom prst="rect">
             <a:avLst/>
@@ -1898,26 +1853,23 @@
           </a:bodyPr>
           <a:p>
             <a:pPr indent="0">
-              <a:lnSpc>
-                <a:spcPct val="90000"/>
-              </a:lnSpc>
               <a:spcBef>
                 <a:spcPts val="1417"/>
               </a:spcBef>
               <a:buNone/>
             </a:pPr>
-            <a:endParaRPr b="0" lang="ru-RU" sz="2800" spc="-1" strike="noStrike">
-              <a:solidFill>
-                <a:schemeClr val="dk1"/>
-              </a:solidFill>
-              <a:latin typeface="Aptos"/>
-            </a:endParaRPr>
-          </a:p>
-        </p:txBody>
-      </p:sp>
-      <p:sp>
-        <p:nvSpPr>
-          <p:cNvPr id="16" name="PlaceHolder 3"/>
+            <a:endParaRPr b="0" lang="ru-RU" sz="3200" spc="-1" strike="noStrike">
+              <a:solidFill>
+                <a:srgbClr val="000000"/>
+              </a:solidFill>
+              <a:latin typeface="XO Oriel"/>
+            </a:endParaRPr>
+          </a:p>
+        </p:txBody>
+      </p:sp>
+      <p:sp>
+        <p:nvSpPr>
+          <p:cNvPr id="18" name="PlaceHolder 3"/>
           <p:cNvSpPr>
             <a:spLocks noGrp="1"/>
           </p:cNvSpPr>
@@ -1927,8 +1879,8 @@
         </p:nvSpPr>
         <p:spPr>
           <a:xfrm>
-            <a:off x="6226200" y="1825560"/>
-            <a:ext cx="5131080" cy="4350960"/>
+            <a:off x="6231960" y="1604520"/>
+            <a:ext cx="5354280" cy="3977280"/>
           </a:xfrm>
           <a:prstGeom prst="rect">
             <a:avLst/>
@@ -1944,26 +1896,23 @@
           </a:bodyPr>
           <a:p>
             <a:pPr indent="0">
-              <a:lnSpc>
-                <a:spcPct val="90000"/>
-              </a:lnSpc>
               <a:spcBef>
                 <a:spcPts val="1417"/>
               </a:spcBef>
               <a:buNone/>
             </a:pPr>
-            <a:endParaRPr b="0" lang="ru-RU" sz="2800" spc="-1" strike="noStrike">
-              <a:solidFill>
-                <a:schemeClr val="dk1"/>
-              </a:solidFill>
-              <a:latin typeface="Aptos"/>
-            </a:endParaRPr>
-          </a:p>
-        </p:txBody>
-      </p:sp>
-      <p:sp>
-        <p:nvSpPr>
-          <p:cNvPr id="17" name="PlaceHolder 4"/>
+            <a:endParaRPr b="0" lang="ru-RU" sz="3200" spc="-1" strike="noStrike">
+              <a:solidFill>
+                <a:srgbClr val="000000"/>
+              </a:solidFill>
+              <a:latin typeface="XO Oriel"/>
+            </a:endParaRPr>
+          </a:p>
+        </p:txBody>
+      </p:sp>
+      <p:sp>
+        <p:nvSpPr>
+          <p:cNvPr id="19" name="PlaceHolder 4"/>
           <p:cNvSpPr>
             <a:spLocks noGrp="1"/>
           </p:cNvSpPr>
@@ -1973,8 +1922,8 @@
         </p:nvSpPr>
         <p:spPr>
           <a:xfrm>
-            <a:off x="838080" y="4098240"/>
-            <a:ext cx="5131080" cy="2075040"/>
+            <a:off x="609480" y="3682080"/>
+            <a:ext cx="5354280" cy="1896840"/>
           </a:xfrm>
           <a:prstGeom prst="rect">
             <a:avLst/>
@@ -1990,19 +1939,16 @@
           </a:bodyPr>
           <a:p>
             <a:pPr indent="0">
-              <a:lnSpc>
-                <a:spcPct val="90000"/>
-              </a:lnSpc>
               <a:spcBef>
                 <a:spcPts val="1417"/>
               </a:spcBef>
               <a:buNone/>
             </a:pPr>
-            <a:endParaRPr b="0" lang="ru-RU" sz="2800" spc="-1" strike="noStrike">
-              <a:solidFill>
-                <a:schemeClr val="dk1"/>
-              </a:solidFill>
-              <a:latin typeface="Aptos"/>
+            <a:endParaRPr b="0" lang="ru-RU" sz="3200" spc="-1" strike="noStrike">
+              <a:solidFill>
+                <a:srgbClr val="000000"/>
+              </a:solidFill>
+              <a:latin typeface="XO Oriel"/>
             </a:endParaRPr>
           </a:p>
         </p:txBody>
@@ -2014,7 +1960,7 @@
             <a:spLocks noGrp="1"/>
           </p:cNvSpPr>
           <p:nvPr>
-            <p:ph type="ftr" idx="2"/>
+            <p:ph type="ftr" idx="1"/>
           </p:nvPr>
         </p:nvSpPr>
         <p:spPr/>
@@ -2034,14 +1980,14 @@
             <a:spLocks noGrp="1"/>
           </p:cNvSpPr>
           <p:nvPr>
-            <p:ph type="sldNum" idx="3"/>
+            <p:ph type="sldNum" idx="2"/>
           </p:nvPr>
         </p:nvSpPr>
         <p:spPr/>
         <p:txBody>
           <a:bodyPr/>
           <a:p>
-            <a:fld id="{49D4BA0F-3C8A-471A-8B53-116B9567B16B}" type="slidenum">
+            <a:fld id="{DA7D9F83-5734-42E2-8C78-122A45EE8845}" type="slidenum">
               <a:t>&lt;#&gt;</a:t>
             </a:fld>
           </a:p>
@@ -2054,7 +2000,7 @@
             <a:spLocks noGrp="1"/>
           </p:cNvSpPr>
           <p:nvPr>
-            <p:ph type="dt" idx="1"/>
+            <p:ph type="dt" idx="3"/>
           </p:nvPr>
         </p:nvSpPr>
         <p:spPr/>
@@ -2092,7 +2038,7 @@
       </p:grpSpPr>
       <p:sp>
         <p:nvSpPr>
-          <p:cNvPr id="18" name="PlaceHolder 1"/>
+          <p:cNvPr id="20" name="PlaceHolder 1"/>
           <p:cNvSpPr>
             <a:spLocks noGrp="1"/>
           </p:cNvSpPr>
@@ -2103,7 +2049,7 @@
         <p:spPr>
           <a:xfrm>
             <a:off x="838080" y="365040"/>
-            <a:ext cx="10515240" cy="1325160"/>
+            <a:ext cx="10514880" cy="1324800"/>
           </a:xfrm>
           <a:prstGeom prst="rect">
             <a:avLst/>
@@ -2118,21 +2064,21 @@
             <a:noAutofit/>
           </a:bodyPr>
           <a:p>
-            <a:pPr indent="0">
+            <a:pPr indent="0" algn="ctr">
               <a:buNone/>
             </a:pPr>
-            <a:endParaRPr b="0" lang="ru-RU" sz="1800" spc="-1" strike="noStrike">
-              <a:solidFill>
-                <a:schemeClr val="dk1"/>
-              </a:solidFill>
-              <a:latin typeface="Aptos"/>
-            </a:endParaRPr>
-          </a:p>
-        </p:txBody>
-      </p:sp>
-      <p:sp>
-        <p:nvSpPr>
-          <p:cNvPr id="19" name="PlaceHolder 2"/>
+            <a:endParaRPr b="0" lang="ru-RU" sz="4400" spc="-1" strike="noStrike">
+              <a:solidFill>
+                <a:srgbClr val="000000"/>
+              </a:solidFill>
+              <a:latin typeface="XO Oriel"/>
+            </a:endParaRPr>
+          </a:p>
+        </p:txBody>
+      </p:sp>
+      <p:sp>
+        <p:nvSpPr>
+          <p:cNvPr id="21" name="PlaceHolder 2"/>
           <p:cNvSpPr>
             <a:spLocks noGrp="1"/>
           </p:cNvSpPr>
@@ -2142,8 +2088,8 @@
         </p:nvSpPr>
         <p:spPr>
           <a:xfrm>
-            <a:off x="838080" y="1825560"/>
-            <a:ext cx="5131080" cy="4350960"/>
+            <a:off x="609480" y="1604520"/>
+            <a:ext cx="5354280" cy="3977280"/>
           </a:xfrm>
           <a:prstGeom prst="rect">
             <a:avLst/>
@@ -2159,26 +2105,23 @@
           </a:bodyPr>
           <a:p>
             <a:pPr indent="0">
-              <a:lnSpc>
-                <a:spcPct val="90000"/>
-              </a:lnSpc>
               <a:spcBef>
                 <a:spcPts val="1417"/>
               </a:spcBef>
               <a:buNone/>
             </a:pPr>
-            <a:endParaRPr b="0" lang="ru-RU" sz="2800" spc="-1" strike="noStrike">
-              <a:solidFill>
-                <a:schemeClr val="dk1"/>
-              </a:solidFill>
-              <a:latin typeface="Aptos"/>
-            </a:endParaRPr>
-          </a:p>
-        </p:txBody>
-      </p:sp>
-      <p:sp>
-        <p:nvSpPr>
-          <p:cNvPr id="20" name="PlaceHolder 3"/>
+            <a:endParaRPr b="0" lang="ru-RU" sz="3200" spc="-1" strike="noStrike">
+              <a:solidFill>
+                <a:srgbClr val="000000"/>
+              </a:solidFill>
+              <a:latin typeface="XO Oriel"/>
+            </a:endParaRPr>
+          </a:p>
+        </p:txBody>
+      </p:sp>
+      <p:sp>
+        <p:nvSpPr>
+          <p:cNvPr id="22" name="PlaceHolder 3"/>
           <p:cNvSpPr>
             <a:spLocks noGrp="1"/>
           </p:cNvSpPr>
@@ -2188,8 +2131,8 @@
         </p:nvSpPr>
         <p:spPr>
           <a:xfrm>
-            <a:off x="6226200" y="1825560"/>
-            <a:ext cx="5131080" cy="2075040"/>
+            <a:off x="6231960" y="1604520"/>
+            <a:ext cx="5354280" cy="1896840"/>
           </a:xfrm>
           <a:prstGeom prst="rect">
             <a:avLst/>
@@ -2205,26 +2148,23 @@
           </a:bodyPr>
           <a:p>
             <a:pPr indent="0">
-              <a:lnSpc>
-                <a:spcPct val="90000"/>
-              </a:lnSpc>
               <a:spcBef>
                 <a:spcPts val="1417"/>
               </a:spcBef>
               <a:buNone/>
             </a:pPr>
-            <a:endParaRPr b="0" lang="ru-RU" sz="2800" spc="-1" strike="noStrike">
-              <a:solidFill>
-                <a:schemeClr val="dk1"/>
-              </a:solidFill>
-              <a:latin typeface="Aptos"/>
-            </a:endParaRPr>
-          </a:p>
-        </p:txBody>
-      </p:sp>
-      <p:sp>
-        <p:nvSpPr>
-          <p:cNvPr id="21" name="PlaceHolder 4"/>
+            <a:endParaRPr b="0" lang="ru-RU" sz="3200" spc="-1" strike="noStrike">
+              <a:solidFill>
+                <a:srgbClr val="000000"/>
+              </a:solidFill>
+              <a:latin typeface="XO Oriel"/>
+            </a:endParaRPr>
+          </a:p>
+        </p:txBody>
+      </p:sp>
+      <p:sp>
+        <p:nvSpPr>
+          <p:cNvPr id="23" name="PlaceHolder 4"/>
           <p:cNvSpPr>
             <a:spLocks noGrp="1"/>
           </p:cNvSpPr>
@@ -2234,8 +2174,8 @@
         </p:nvSpPr>
         <p:spPr>
           <a:xfrm>
-            <a:off x="6226200" y="4098240"/>
-            <a:ext cx="5131080" cy="2075040"/>
+            <a:off x="6231960" y="3682080"/>
+            <a:ext cx="5354280" cy="1896840"/>
           </a:xfrm>
           <a:prstGeom prst="rect">
             <a:avLst/>
@@ -2251,19 +2191,16 @@
           </a:bodyPr>
           <a:p>
             <a:pPr indent="0">
-              <a:lnSpc>
-                <a:spcPct val="90000"/>
-              </a:lnSpc>
               <a:spcBef>
                 <a:spcPts val="1417"/>
               </a:spcBef>
               <a:buNone/>
             </a:pPr>
-            <a:endParaRPr b="0" lang="ru-RU" sz="2800" spc="-1" strike="noStrike">
-              <a:solidFill>
-                <a:schemeClr val="dk1"/>
-              </a:solidFill>
-              <a:latin typeface="Aptos"/>
+            <a:endParaRPr b="0" lang="ru-RU" sz="3200" spc="-1" strike="noStrike">
+              <a:solidFill>
+                <a:srgbClr val="000000"/>
+              </a:solidFill>
+              <a:latin typeface="XO Oriel"/>
             </a:endParaRPr>
           </a:p>
         </p:txBody>
@@ -2275,7 +2212,7 @@
             <a:spLocks noGrp="1"/>
           </p:cNvSpPr>
           <p:nvPr>
-            <p:ph type="ftr" idx="2"/>
+            <p:ph type="ftr" idx="1"/>
           </p:nvPr>
         </p:nvSpPr>
         <p:spPr/>
@@ -2295,14 +2232,14 @@
             <a:spLocks noGrp="1"/>
           </p:cNvSpPr>
           <p:nvPr>
-            <p:ph type="sldNum" idx="3"/>
+            <p:ph type="sldNum" idx="2"/>
           </p:nvPr>
         </p:nvSpPr>
         <p:spPr/>
         <p:txBody>
           <a:bodyPr/>
           <a:p>
-            <a:fld id="{3BE5AABA-689E-483E-BADC-2C9E4DD0EB3C}" type="slidenum">
+            <a:fld id="{3D758E4B-BE03-47F7-B4D7-659C28CDFC7D}" type="slidenum">
               <a:t>&lt;#&gt;</a:t>
             </a:fld>
           </a:p>
@@ -2315,7 +2252,7 @@
             <a:spLocks noGrp="1"/>
           </p:cNvSpPr>
           <p:nvPr>
-            <p:ph type="dt" idx="1"/>
+            <p:ph type="dt" idx="3"/>
           </p:nvPr>
         </p:nvSpPr>
         <p:spPr/>
@@ -2353,7 +2290,7 @@
       </p:grpSpPr>
       <p:sp>
         <p:nvSpPr>
-          <p:cNvPr id="22" name="PlaceHolder 1"/>
+          <p:cNvPr id="24" name="PlaceHolder 1"/>
           <p:cNvSpPr>
             <a:spLocks noGrp="1"/>
           </p:cNvSpPr>
@@ -2364,7 +2301,7 @@
         <p:spPr>
           <a:xfrm>
             <a:off x="838080" y="365040"/>
-            <a:ext cx="10515240" cy="1325160"/>
+            <a:ext cx="10514880" cy="1324800"/>
           </a:xfrm>
           <a:prstGeom prst="rect">
             <a:avLst/>
@@ -2379,21 +2316,21 @@
             <a:noAutofit/>
           </a:bodyPr>
           <a:p>
-            <a:pPr indent="0">
+            <a:pPr indent="0" algn="ctr">
               <a:buNone/>
             </a:pPr>
-            <a:endParaRPr b="0" lang="ru-RU" sz="1800" spc="-1" strike="noStrike">
-              <a:solidFill>
-                <a:schemeClr val="dk1"/>
-              </a:solidFill>
-              <a:latin typeface="Aptos"/>
-            </a:endParaRPr>
-          </a:p>
-        </p:txBody>
-      </p:sp>
-      <p:sp>
-        <p:nvSpPr>
-          <p:cNvPr id="23" name="PlaceHolder 2"/>
+            <a:endParaRPr b="0" lang="ru-RU" sz="4400" spc="-1" strike="noStrike">
+              <a:solidFill>
+                <a:srgbClr val="000000"/>
+              </a:solidFill>
+              <a:latin typeface="XO Oriel"/>
+            </a:endParaRPr>
+          </a:p>
+        </p:txBody>
+      </p:sp>
+      <p:sp>
+        <p:nvSpPr>
+          <p:cNvPr id="25" name="PlaceHolder 2"/>
           <p:cNvSpPr>
             <a:spLocks noGrp="1"/>
           </p:cNvSpPr>
@@ -2403,8 +2340,8 @@
         </p:nvSpPr>
         <p:spPr>
           <a:xfrm>
-            <a:off x="838080" y="1825560"/>
-            <a:ext cx="5131080" cy="2075040"/>
+            <a:off x="609480" y="1604520"/>
+            <a:ext cx="5354280" cy="1896840"/>
           </a:xfrm>
           <a:prstGeom prst="rect">
             <a:avLst/>
@@ -2420,26 +2357,23 @@
           </a:bodyPr>
           <a:p>
             <a:pPr indent="0">
-              <a:lnSpc>
-                <a:spcPct val="90000"/>
-              </a:lnSpc>
               <a:spcBef>
                 <a:spcPts val="1417"/>
               </a:spcBef>
               <a:buNone/>
             </a:pPr>
-            <a:endParaRPr b="0" lang="ru-RU" sz="2800" spc="-1" strike="noStrike">
-              <a:solidFill>
-                <a:schemeClr val="dk1"/>
-              </a:solidFill>
-              <a:latin typeface="Aptos"/>
-            </a:endParaRPr>
-          </a:p>
-        </p:txBody>
-      </p:sp>
-      <p:sp>
-        <p:nvSpPr>
-          <p:cNvPr id="24" name="PlaceHolder 3"/>
+            <a:endParaRPr b="0" lang="ru-RU" sz="3200" spc="-1" strike="noStrike">
+              <a:solidFill>
+                <a:srgbClr val="000000"/>
+              </a:solidFill>
+              <a:latin typeface="XO Oriel"/>
+            </a:endParaRPr>
+          </a:p>
+        </p:txBody>
+      </p:sp>
+      <p:sp>
+        <p:nvSpPr>
+          <p:cNvPr id="26" name="PlaceHolder 3"/>
           <p:cNvSpPr>
             <a:spLocks noGrp="1"/>
           </p:cNvSpPr>
@@ -2449,8 +2383,8 @@
         </p:nvSpPr>
         <p:spPr>
           <a:xfrm>
-            <a:off x="6226200" y="1825560"/>
-            <a:ext cx="5131080" cy="2075040"/>
+            <a:off x="6231960" y="1604520"/>
+            <a:ext cx="5354280" cy="1896840"/>
           </a:xfrm>
           <a:prstGeom prst="rect">
             <a:avLst/>
@@ -2466,26 +2400,23 @@
           </a:bodyPr>
           <a:p>
             <a:pPr indent="0">
-              <a:lnSpc>
-                <a:spcPct val="90000"/>
-              </a:lnSpc>
               <a:spcBef>
                 <a:spcPts val="1417"/>
               </a:spcBef>
               <a:buNone/>
             </a:pPr>
-            <a:endParaRPr b="0" lang="ru-RU" sz="2800" spc="-1" strike="noStrike">
-              <a:solidFill>
-                <a:schemeClr val="dk1"/>
-              </a:solidFill>
-              <a:latin typeface="Aptos"/>
-            </a:endParaRPr>
-          </a:p>
-        </p:txBody>
-      </p:sp>
-      <p:sp>
-        <p:nvSpPr>
-          <p:cNvPr id="25" name="PlaceHolder 4"/>
+            <a:endParaRPr b="0" lang="ru-RU" sz="3200" spc="-1" strike="noStrike">
+              <a:solidFill>
+                <a:srgbClr val="000000"/>
+              </a:solidFill>
+              <a:latin typeface="XO Oriel"/>
+            </a:endParaRPr>
+          </a:p>
+        </p:txBody>
+      </p:sp>
+      <p:sp>
+        <p:nvSpPr>
+          <p:cNvPr id="27" name="PlaceHolder 4"/>
           <p:cNvSpPr>
             <a:spLocks noGrp="1"/>
           </p:cNvSpPr>
@@ -2495,8 +2426,8 @@
         </p:nvSpPr>
         <p:spPr>
           <a:xfrm>
-            <a:off x="838080" y="4098240"/>
-            <a:ext cx="10515240" cy="2075040"/>
+            <a:off x="609480" y="3682080"/>
+            <a:ext cx="10972440" cy="1896840"/>
           </a:xfrm>
           <a:prstGeom prst="rect">
             <a:avLst/>
@@ -2512,19 +2443,16 @@
           </a:bodyPr>
           <a:p>
             <a:pPr indent="0">
-              <a:lnSpc>
-                <a:spcPct val="90000"/>
-              </a:lnSpc>
               <a:spcBef>
                 <a:spcPts val="1417"/>
               </a:spcBef>
               <a:buNone/>
             </a:pPr>
-            <a:endParaRPr b="0" lang="ru-RU" sz="2800" spc="-1" strike="noStrike">
-              <a:solidFill>
-                <a:schemeClr val="dk1"/>
-              </a:solidFill>
-              <a:latin typeface="Aptos"/>
+            <a:endParaRPr b="0" lang="ru-RU" sz="3200" spc="-1" strike="noStrike">
+              <a:solidFill>
+                <a:srgbClr val="000000"/>
+              </a:solidFill>
+              <a:latin typeface="XO Oriel"/>
             </a:endParaRPr>
           </a:p>
         </p:txBody>
@@ -2536,7 +2464,7 @@
             <a:spLocks noGrp="1"/>
           </p:cNvSpPr>
           <p:nvPr>
-            <p:ph type="ftr" idx="2"/>
+            <p:ph type="ftr" idx="1"/>
           </p:nvPr>
         </p:nvSpPr>
         <p:spPr/>
@@ -2556,14 +2484,14 @@
             <a:spLocks noGrp="1"/>
           </p:cNvSpPr>
           <p:nvPr>
-            <p:ph type="sldNum" idx="3"/>
+            <p:ph type="sldNum" idx="2"/>
           </p:nvPr>
         </p:nvSpPr>
         <p:spPr/>
         <p:txBody>
           <a:bodyPr/>
           <a:p>
-            <a:fld id="{52EFAF35-7EB3-405C-843E-0F77E0054F15}" type="slidenum">
+            <a:fld id="{C2E574E6-5A96-4C8B-BE73-E6DEB2C0C6C2}" type="slidenum">
               <a:t>&lt;#&gt;</a:t>
             </a:fld>
           </a:p>
@@ -2576,7 +2504,7 @@
             <a:spLocks noGrp="1"/>
           </p:cNvSpPr>
           <p:nvPr>
-            <p:ph type="dt" idx="1"/>
+            <p:ph type="dt" idx="3"/>
           </p:nvPr>
         </p:nvSpPr>
         <p:spPr/>
@@ -2631,42 +2559,39 @@
         </p:nvSpPr>
         <p:spPr>
           <a:xfrm>
-            <a:off x="1523880" y="1122480"/>
-            <a:ext cx="9143640" cy="2387160"/>
-          </a:xfrm>
-          <a:prstGeom prst="rect">
-            <a:avLst/>
-          </a:prstGeom>
-          <a:noFill/>
-          <a:ln w="0">
-            <a:noFill/>
-          </a:ln>
-        </p:spPr>
-        <p:txBody>
-          <a:bodyPr lIns="91440" rIns="91440" tIns="45720" bIns="45720" anchor="b">
+            <a:off x="838080" y="365040"/>
+            <a:ext cx="10514880" cy="1324800"/>
+          </a:xfrm>
+          <a:prstGeom prst="rect">
+            <a:avLst/>
+          </a:prstGeom>
+          <a:noFill/>
+          <a:ln w="0">
+            <a:noFill/>
+          </a:ln>
+        </p:spPr>
+        <p:txBody>
+          <a:bodyPr lIns="0" rIns="0" tIns="0" bIns="0" anchor="ctr">
             <a:noAutofit/>
           </a:bodyPr>
           <a:p>
-            <a:pPr indent="0" algn="ctr" defTabSz="914400">
-              <a:lnSpc>
-                <a:spcPct val="90000"/>
-              </a:lnSpc>
+            <a:pPr indent="0">
               <a:buNone/>
             </a:pPr>
             <a:r>
-              <a:rPr b="0" lang="ru-RU" sz="6000" spc="-1" strike="noStrike">
-                <a:solidFill>
-                  <a:schemeClr val="dk1"/>
-                </a:solidFill>
-                <a:latin typeface="Aptos Display"/>
-              </a:rPr>
-              <a:t>Образец заголовка</a:t>
-            </a:r>
-            <a:endParaRPr b="0" lang="ru-RU" sz="6000" spc="-1" strike="noStrike">
-              <a:solidFill>
-                <a:schemeClr val="dk1"/>
-              </a:solidFill>
-              <a:latin typeface="Aptos"/>
+              <a:rPr b="0" lang="ru-RU" sz="1800" spc="-1" strike="noStrike">
+                <a:solidFill>
+                  <a:srgbClr val="000000"/>
+                </a:solidFill>
+                <a:latin typeface="XO Oriel"/>
+              </a:rPr>
+              <a:t>Для правки текста заглавия щёлкните мышью</a:t>
+            </a:r>
+            <a:endParaRPr b="0" lang="ru-RU" sz="1800" spc="-1" strike="noStrike">
+              <a:solidFill>
+                <a:srgbClr val="000000"/>
+              </a:solidFill>
+              <a:latin typeface="XO Oriel"/>
             </a:endParaRPr>
           </a:p>
         </p:txBody>
@@ -2678,13 +2603,688 @@
             <a:spLocks noGrp="1"/>
           </p:cNvSpPr>
           <p:nvPr>
-            <p:ph type="dt" idx="1"/>
-          </p:nvPr>
-        </p:nvSpPr>
-        <p:spPr>
-          <a:xfrm>
-            <a:off x="838080" y="6356520"/>
-            <a:ext cx="2742840" cy="364680"/>
+            <p:ph type="body"/>
+          </p:nvPr>
+        </p:nvSpPr>
+        <p:spPr>
+          <a:xfrm>
+            <a:off x="838080" y="1825560"/>
+            <a:ext cx="5130720" cy="2074680"/>
+          </a:xfrm>
+          <a:prstGeom prst="rect">
+            <a:avLst/>
+          </a:prstGeom>
+          <a:noFill/>
+          <a:ln w="0">
+            <a:noFill/>
+          </a:ln>
+        </p:spPr>
+        <p:txBody>
+          <a:bodyPr lIns="0" rIns="0" tIns="0" bIns="0" anchor="t">
+            <a:normAutofit fontScale="71666"/>
+          </a:bodyPr>
+          <a:p>
+            <a:pPr marL="432000" indent="-324000">
+              <a:spcBef>
+                <a:spcPts val="1417"/>
+              </a:spcBef>
+              <a:buClr>
+                <a:srgbClr val="000000"/>
+              </a:buClr>
+              <a:buSzPct val="45000"/>
+              <a:buFont typeface="Wingdings" charset="2"/>
+              <a:buChar char=""/>
+            </a:pPr>
+            <a:r>
+              <a:rPr b="0" lang="ru-RU" sz="1800" spc="-1" strike="noStrike">
+                <a:solidFill>
+                  <a:srgbClr val="000000"/>
+                </a:solidFill>
+                <a:latin typeface="XO Oriel"/>
+              </a:rPr>
+              <a:t>Для правки структуры щёлкните мышью</a:t>
+            </a:r>
+            <a:endParaRPr b="0" lang="ru-RU" sz="1800" spc="-1" strike="noStrike">
+              <a:solidFill>
+                <a:srgbClr val="000000"/>
+              </a:solidFill>
+              <a:latin typeface="XO Oriel"/>
+            </a:endParaRPr>
+          </a:p>
+          <a:p>
+            <a:pPr lvl="1" marL="864000" indent="-324000">
+              <a:spcBef>
+                <a:spcPts val="1134"/>
+              </a:spcBef>
+              <a:buClr>
+                <a:srgbClr val="000000"/>
+              </a:buClr>
+              <a:buSzPct val="75000"/>
+              <a:buFont typeface="Symbol" charset="2"/>
+              <a:buChar char=""/>
+            </a:pPr>
+            <a:r>
+              <a:rPr b="0" lang="ru-RU" sz="1800" spc="-1" strike="noStrike">
+                <a:solidFill>
+                  <a:srgbClr val="000000"/>
+                </a:solidFill>
+                <a:latin typeface="XO Oriel"/>
+              </a:rPr>
+              <a:t>Второй уровень структуры</a:t>
+            </a:r>
+            <a:endParaRPr b="0" lang="ru-RU" sz="1800" spc="-1" strike="noStrike">
+              <a:solidFill>
+                <a:srgbClr val="000000"/>
+              </a:solidFill>
+              <a:latin typeface="XO Oriel"/>
+            </a:endParaRPr>
+          </a:p>
+          <a:p>
+            <a:pPr lvl="2" marL="1296000" indent="-288000">
+              <a:spcBef>
+                <a:spcPts val="850"/>
+              </a:spcBef>
+              <a:buClr>
+                <a:srgbClr val="000000"/>
+              </a:buClr>
+              <a:buSzPct val="45000"/>
+              <a:buFont typeface="Wingdings" charset="2"/>
+              <a:buChar char=""/>
+            </a:pPr>
+            <a:r>
+              <a:rPr b="0" lang="ru-RU" sz="1800" spc="-1" strike="noStrike">
+                <a:solidFill>
+                  <a:srgbClr val="000000"/>
+                </a:solidFill>
+                <a:latin typeface="XO Oriel"/>
+              </a:rPr>
+              <a:t>Третий уровень структуры</a:t>
+            </a:r>
+            <a:endParaRPr b="0" lang="ru-RU" sz="1800" spc="-1" strike="noStrike">
+              <a:solidFill>
+                <a:srgbClr val="000000"/>
+              </a:solidFill>
+              <a:latin typeface="XO Oriel"/>
+            </a:endParaRPr>
+          </a:p>
+          <a:p>
+            <a:pPr lvl="3" marL="1728000" indent="-216000">
+              <a:spcBef>
+                <a:spcPts val="567"/>
+              </a:spcBef>
+              <a:buClr>
+                <a:srgbClr val="000000"/>
+              </a:buClr>
+              <a:buSzPct val="75000"/>
+              <a:buFont typeface="Symbol" charset="2"/>
+              <a:buChar char=""/>
+            </a:pPr>
+            <a:r>
+              <a:rPr b="0" lang="ru-RU" sz="1800" spc="-1" strike="noStrike">
+                <a:solidFill>
+                  <a:srgbClr val="000000"/>
+                </a:solidFill>
+                <a:latin typeface="XO Oriel"/>
+              </a:rPr>
+              <a:t>Четвёртый уровень структуры</a:t>
+            </a:r>
+            <a:endParaRPr b="0" lang="ru-RU" sz="1800" spc="-1" strike="noStrike">
+              <a:solidFill>
+                <a:srgbClr val="000000"/>
+              </a:solidFill>
+              <a:latin typeface="XO Oriel"/>
+            </a:endParaRPr>
+          </a:p>
+          <a:p>
+            <a:pPr lvl="4" marL="2160000" indent="-216000">
+              <a:spcBef>
+                <a:spcPts val="283"/>
+              </a:spcBef>
+              <a:buClr>
+                <a:srgbClr val="000000"/>
+              </a:buClr>
+              <a:buSzPct val="45000"/>
+              <a:buFont typeface="Wingdings" charset="2"/>
+              <a:buChar char=""/>
+            </a:pPr>
+            <a:r>
+              <a:rPr b="0" lang="ru-RU" sz="1800" spc="-1" strike="noStrike">
+                <a:solidFill>
+                  <a:srgbClr val="000000"/>
+                </a:solidFill>
+                <a:latin typeface="XO Oriel"/>
+              </a:rPr>
+              <a:t>Пятый уровень структуры</a:t>
+            </a:r>
+            <a:endParaRPr b="0" lang="ru-RU" sz="1800" spc="-1" strike="noStrike">
+              <a:solidFill>
+                <a:srgbClr val="000000"/>
+              </a:solidFill>
+              <a:latin typeface="XO Oriel"/>
+            </a:endParaRPr>
+          </a:p>
+          <a:p>
+            <a:pPr lvl="5" marL="2592000" indent="-216000">
+              <a:spcBef>
+                <a:spcPts val="283"/>
+              </a:spcBef>
+              <a:buClr>
+                <a:srgbClr val="000000"/>
+              </a:buClr>
+              <a:buSzPct val="45000"/>
+              <a:buFont typeface="Wingdings" charset="2"/>
+              <a:buChar char=""/>
+            </a:pPr>
+            <a:r>
+              <a:rPr b="0" lang="ru-RU" sz="1800" spc="-1" strike="noStrike">
+                <a:solidFill>
+                  <a:srgbClr val="000000"/>
+                </a:solidFill>
+                <a:latin typeface="XO Oriel"/>
+              </a:rPr>
+              <a:t>Шестой уровень структуры</a:t>
+            </a:r>
+            <a:endParaRPr b="0" lang="ru-RU" sz="1800" spc="-1" strike="noStrike">
+              <a:solidFill>
+                <a:srgbClr val="000000"/>
+              </a:solidFill>
+              <a:latin typeface="XO Oriel"/>
+            </a:endParaRPr>
+          </a:p>
+          <a:p>
+            <a:pPr lvl="6" marL="3024000" indent="-216000">
+              <a:spcBef>
+                <a:spcPts val="283"/>
+              </a:spcBef>
+              <a:buClr>
+                <a:srgbClr val="000000"/>
+              </a:buClr>
+              <a:buSzPct val="45000"/>
+              <a:buFont typeface="Wingdings" charset="2"/>
+              <a:buChar char=""/>
+            </a:pPr>
+            <a:r>
+              <a:rPr b="0" lang="ru-RU" sz="1800" spc="-1" strike="noStrike">
+                <a:solidFill>
+                  <a:srgbClr val="000000"/>
+                </a:solidFill>
+                <a:latin typeface="XO Oriel"/>
+              </a:rPr>
+              <a:t>Седьмой уровень структуры</a:t>
+            </a:r>
+            <a:endParaRPr b="0" lang="ru-RU" sz="1800" spc="-1" strike="noStrike">
+              <a:solidFill>
+                <a:srgbClr val="000000"/>
+              </a:solidFill>
+              <a:latin typeface="XO Oriel"/>
+            </a:endParaRPr>
+          </a:p>
+        </p:txBody>
+      </p:sp>
+      <p:sp>
+        <p:nvSpPr>
+          <p:cNvPr id="2" name="PlaceHolder 3"/>
+          <p:cNvSpPr>
+            <a:spLocks noGrp="1"/>
+          </p:cNvSpPr>
+          <p:nvPr>
+            <p:ph type="body"/>
+          </p:nvPr>
+        </p:nvSpPr>
+        <p:spPr>
+          <a:xfrm>
+            <a:off x="6226200" y="1825560"/>
+            <a:ext cx="5130720" cy="2074680"/>
+          </a:xfrm>
+          <a:prstGeom prst="rect">
+            <a:avLst/>
+          </a:prstGeom>
+          <a:noFill/>
+          <a:ln w="0">
+            <a:noFill/>
+          </a:ln>
+        </p:spPr>
+        <p:txBody>
+          <a:bodyPr lIns="0" rIns="0" tIns="0" bIns="0" anchor="t">
+            <a:normAutofit fontScale="71666"/>
+          </a:bodyPr>
+          <a:p>
+            <a:pPr marL="432000" indent="-324000">
+              <a:spcBef>
+                <a:spcPts val="1417"/>
+              </a:spcBef>
+              <a:buClr>
+                <a:srgbClr val="000000"/>
+              </a:buClr>
+              <a:buSzPct val="45000"/>
+              <a:buFont typeface="Wingdings" charset="2"/>
+              <a:buChar char=""/>
+            </a:pPr>
+            <a:r>
+              <a:rPr b="0" lang="ru-RU" sz="1800" spc="-1" strike="noStrike">
+                <a:solidFill>
+                  <a:srgbClr val="000000"/>
+                </a:solidFill>
+                <a:latin typeface="XO Oriel"/>
+              </a:rPr>
+              <a:t>Для правки структуры щёлкните мышью</a:t>
+            </a:r>
+            <a:endParaRPr b="0" lang="ru-RU" sz="1800" spc="-1" strike="noStrike">
+              <a:solidFill>
+                <a:srgbClr val="000000"/>
+              </a:solidFill>
+              <a:latin typeface="XO Oriel"/>
+            </a:endParaRPr>
+          </a:p>
+          <a:p>
+            <a:pPr lvl="1" marL="864000" indent="-324000">
+              <a:spcBef>
+                <a:spcPts val="1134"/>
+              </a:spcBef>
+              <a:buClr>
+                <a:srgbClr val="000000"/>
+              </a:buClr>
+              <a:buSzPct val="75000"/>
+              <a:buFont typeface="Symbol" charset="2"/>
+              <a:buChar char=""/>
+            </a:pPr>
+            <a:r>
+              <a:rPr b="0" lang="ru-RU" sz="1800" spc="-1" strike="noStrike">
+                <a:solidFill>
+                  <a:srgbClr val="000000"/>
+                </a:solidFill>
+                <a:latin typeface="XO Oriel"/>
+              </a:rPr>
+              <a:t>Второй уровень структуры</a:t>
+            </a:r>
+            <a:endParaRPr b="0" lang="ru-RU" sz="1800" spc="-1" strike="noStrike">
+              <a:solidFill>
+                <a:srgbClr val="000000"/>
+              </a:solidFill>
+              <a:latin typeface="XO Oriel"/>
+            </a:endParaRPr>
+          </a:p>
+          <a:p>
+            <a:pPr lvl="2" marL="1296000" indent="-288000">
+              <a:spcBef>
+                <a:spcPts val="850"/>
+              </a:spcBef>
+              <a:buClr>
+                <a:srgbClr val="000000"/>
+              </a:buClr>
+              <a:buSzPct val="45000"/>
+              <a:buFont typeface="Wingdings" charset="2"/>
+              <a:buChar char=""/>
+            </a:pPr>
+            <a:r>
+              <a:rPr b="0" lang="ru-RU" sz="1800" spc="-1" strike="noStrike">
+                <a:solidFill>
+                  <a:srgbClr val="000000"/>
+                </a:solidFill>
+                <a:latin typeface="XO Oriel"/>
+              </a:rPr>
+              <a:t>Третий уровень структуры</a:t>
+            </a:r>
+            <a:endParaRPr b="0" lang="ru-RU" sz="1800" spc="-1" strike="noStrike">
+              <a:solidFill>
+                <a:srgbClr val="000000"/>
+              </a:solidFill>
+              <a:latin typeface="XO Oriel"/>
+            </a:endParaRPr>
+          </a:p>
+          <a:p>
+            <a:pPr lvl="3" marL="1728000" indent="-216000">
+              <a:spcBef>
+                <a:spcPts val="567"/>
+              </a:spcBef>
+              <a:buClr>
+                <a:srgbClr val="000000"/>
+              </a:buClr>
+              <a:buSzPct val="75000"/>
+              <a:buFont typeface="Symbol" charset="2"/>
+              <a:buChar char=""/>
+            </a:pPr>
+            <a:r>
+              <a:rPr b="0" lang="ru-RU" sz="1800" spc="-1" strike="noStrike">
+                <a:solidFill>
+                  <a:srgbClr val="000000"/>
+                </a:solidFill>
+                <a:latin typeface="XO Oriel"/>
+              </a:rPr>
+              <a:t>Четвёртый уровень структуры</a:t>
+            </a:r>
+            <a:endParaRPr b="0" lang="ru-RU" sz="1800" spc="-1" strike="noStrike">
+              <a:solidFill>
+                <a:srgbClr val="000000"/>
+              </a:solidFill>
+              <a:latin typeface="XO Oriel"/>
+            </a:endParaRPr>
+          </a:p>
+          <a:p>
+            <a:pPr lvl="4" marL="2160000" indent="-216000">
+              <a:spcBef>
+                <a:spcPts val="283"/>
+              </a:spcBef>
+              <a:buClr>
+                <a:srgbClr val="000000"/>
+              </a:buClr>
+              <a:buSzPct val="45000"/>
+              <a:buFont typeface="Wingdings" charset="2"/>
+              <a:buChar char=""/>
+            </a:pPr>
+            <a:r>
+              <a:rPr b="0" lang="ru-RU" sz="1800" spc="-1" strike="noStrike">
+                <a:solidFill>
+                  <a:srgbClr val="000000"/>
+                </a:solidFill>
+                <a:latin typeface="XO Oriel"/>
+              </a:rPr>
+              <a:t>Пятый уровень структуры</a:t>
+            </a:r>
+            <a:endParaRPr b="0" lang="ru-RU" sz="1800" spc="-1" strike="noStrike">
+              <a:solidFill>
+                <a:srgbClr val="000000"/>
+              </a:solidFill>
+              <a:latin typeface="XO Oriel"/>
+            </a:endParaRPr>
+          </a:p>
+          <a:p>
+            <a:pPr lvl="5" marL="2592000" indent="-216000">
+              <a:spcBef>
+                <a:spcPts val="283"/>
+              </a:spcBef>
+              <a:buClr>
+                <a:srgbClr val="000000"/>
+              </a:buClr>
+              <a:buSzPct val="45000"/>
+              <a:buFont typeface="Wingdings" charset="2"/>
+              <a:buChar char=""/>
+            </a:pPr>
+            <a:r>
+              <a:rPr b="0" lang="ru-RU" sz="1800" spc="-1" strike="noStrike">
+                <a:solidFill>
+                  <a:srgbClr val="000000"/>
+                </a:solidFill>
+                <a:latin typeface="XO Oriel"/>
+              </a:rPr>
+              <a:t>Шестой уровень структуры</a:t>
+            </a:r>
+            <a:endParaRPr b="0" lang="ru-RU" sz="1800" spc="-1" strike="noStrike">
+              <a:solidFill>
+                <a:srgbClr val="000000"/>
+              </a:solidFill>
+              <a:latin typeface="XO Oriel"/>
+            </a:endParaRPr>
+          </a:p>
+          <a:p>
+            <a:pPr lvl="6" marL="3024000" indent="-216000">
+              <a:spcBef>
+                <a:spcPts val="283"/>
+              </a:spcBef>
+              <a:buClr>
+                <a:srgbClr val="000000"/>
+              </a:buClr>
+              <a:buSzPct val="45000"/>
+              <a:buFont typeface="Wingdings" charset="2"/>
+              <a:buChar char=""/>
+            </a:pPr>
+            <a:r>
+              <a:rPr b="0" lang="ru-RU" sz="1800" spc="-1" strike="noStrike">
+                <a:solidFill>
+                  <a:srgbClr val="000000"/>
+                </a:solidFill>
+                <a:latin typeface="XO Oriel"/>
+              </a:rPr>
+              <a:t>Седьмой уровень структуры</a:t>
+            </a:r>
+            <a:endParaRPr b="0" lang="ru-RU" sz="1800" spc="-1" strike="noStrike">
+              <a:solidFill>
+                <a:srgbClr val="000000"/>
+              </a:solidFill>
+              <a:latin typeface="XO Oriel"/>
+            </a:endParaRPr>
+          </a:p>
+        </p:txBody>
+      </p:sp>
+      <p:sp>
+        <p:nvSpPr>
+          <p:cNvPr id="3" name="PlaceHolder 4"/>
+          <p:cNvSpPr>
+            <a:spLocks noGrp="1"/>
+          </p:cNvSpPr>
+          <p:nvPr>
+            <p:ph type="body"/>
+          </p:nvPr>
+        </p:nvSpPr>
+        <p:spPr>
+          <a:xfrm>
+            <a:off x="838080" y="4098240"/>
+            <a:ext cx="10514880" cy="2074680"/>
+          </a:xfrm>
+          <a:prstGeom prst="rect">
+            <a:avLst/>
+          </a:prstGeom>
+          <a:noFill/>
+          <a:ln w="0">
+            <a:noFill/>
+          </a:ln>
+        </p:spPr>
+        <p:txBody>
+          <a:bodyPr lIns="0" rIns="0" tIns="0" bIns="0" anchor="t">
+            <a:normAutofit fontScale="81111"/>
+          </a:bodyPr>
+          <a:p>
+            <a:pPr marL="432000" indent="-324000">
+              <a:spcBef>
+                <a:spcPts val="1417"/>
+              </a:spcBef>
+              <a:buClr>
+                <a:srgbClr val="000000"/>
+              </a:buClr>
+              <a:buSzPct val="45000"/>
+              <a:buFont typeface="Wingdings" charset="2"/>
+              <a:buChar char=""/>
+            </a:pPr>
+            <a:r>
+              <a:rPr b="0" lang="ru-RU" sz="1800" spc="-1" strike="noStrike">
+                <a:solidFill>
+                  <a:srgbClr val="000000"/>
+                </a:solidFill>
+                <a:latin typeface="XO Oriel"/>
+              </a:rPr>
+              <a:t>Для правки структуры щёлкните мышью</a:t>
+            </a:r>
+            <a:endParaRPr b="0" lang="ru-RU" sz="1800" spc="-1" strike="noStrike">
+              <a:solidFill>
+                <a:srgbClr val="000000"/>
+              </a:solidFill>
+              <a:latin typeface="XO Oriel"/>
+            </a:endParaRPr>
+          </a:p>
+          <a:p>
+            <a:pPr lvl="1" marL="864000" indent="-324000">
+              <a:spcBef>
+                <a:spcPts val="1134"/>
+              </a:spcBef>
+              <a:buClr>
+                <a:srgbClr val="000000"/>
+              </a:buClr>
+              <a:buSzPct val="75000"/>
+              <a:buFont typeface="Symbol" charset="2"/>
+              <a:buChar char=""/>
+            </a:pPr>
+            <a:r>
+              <a:rPr b="0" lang="ru-RU" sz="1800" spc="-1" strike="noStrike">
+                <a:solidFill>
+                  <a:srgbClr val="000000"/>
+                </a:solidFill>
+                <a:latin typeface="XO Oriel"/>
+              </a:rPr>
+              <a:t>Второй уровень структуры</a:t>
+            </a:r>
+            <a:endParaRPr b="0" lang="ru-RU" sz="1800" spc="-1" strike="noStrike">
+              <a:solidFill>
+                <a:srgbClr val="000000"/>
+              </a:solidFill>
+              <a:latin typeface="XO Oriel"/>
+            </a:endParaRPr>
+          </a:p>
+          <a:p>
+            <a:pPr lvl="2" marL="1296000" indent="-288000">
+              <a:spcBef>
+                <a:spcPts val="850"/>
+              </a:spcBef>
+              <a:buClr>
+                <a:srgbClr val="000000"/>
+              </a:buClr>
+              <a:buSzPct val="45000"/>
+              <a:buFont typeface="Wingdings" charset="2"/>
+              <a:buChar char=""/>
+            </a:pPr>
+            <a:r>
+              <a:rPr b="0" lang="ru-RU" sz="1800" spc="-1" strike="noStrike">
+                <a:solidFill>
+                  <a:srgbClr val="000000"/>
+                </a:solidFill>
+                <a:latin typeface="XO Oriel"/>
+              </a:rPr>
+              <a:t>Третий уровень структуры</a:t>
+            </a:r>
+            <a:endParaRPr b="0" lang="ru-RU" sz="1800" spc="-1" strike="noStrike">
+              <a:solidFill>
+                <a:srgbClr val="000000"/>
+              </a:solidFill>
+              <a:latin typeface="XO Oriel"/>
+            </a:endParaRPr>
+          </a:p>
+          <a:p>
+            <a:pPr lvl="3" marL="1728000" indent="-216000">
+              <a:spcBef>
+                <a:spcPts val="567"/>
+              </a:spcBef>
+              <a:buClr>
+                <a:srgbClr val="000000"/>
+              </a:buClr>
+              <a:buSzPct val="75000"/>
+              <a:buFont typeface="Symbol" charset="2"/>
+              <a:buChar char=""/>
+            </a:pPr>
+            <a:r>
+              <a:rPr b="0" lang="ru-RU" sz="1800" spc="-1" strike="noStrike">
+                <a:solidFill>
+                  <a:srgbClr val="000000"/>
+                </a:solidFill>
+                <a:latin typeface="XO Oriel"/>
+              </a:rPr>
+              <a:t>Четвёртый уровень структуры</a:t>
+            </a:r>
+            <a:endParaRPr b="0" lang="ru-RU" sz="1800" spc="-1" strike="noStrike">
+              <a:solidFill>
+                <a:srgbClr val="000000"/>
+              </a:solidFill>
+              <a:latin typeface="XO Oriel"/>
+            </a:endParaRPr>
+          </a:p>
+          <a:p>
+            <a:pPr lvl="4" marL="2160000" indent="-216000">
+              <a:spcBef>
+                <a:spcPts val="283"/>
+              </a:spcBef>
+              <a:buClr>
+                <a:srgbClr val="000000"/>
+              </a:buClr>
+              <a:buSzPct val="45000"/>
+              <a:buFont typeface="Wingdings" charset="2"/>
+              <a:buChar char=""/>
+            </a:pPr>
+            <a:r>
+              <a:rPr b="0" lang="ru-RU" sz="1800" spc="-1" strike="noStrike">
+                <a:solidFill>
+                  <a:srgbClr val="000000"/>
+                </a:solidFill>
+                <a:latin typeface="XO Oriel"/>
+              </a:rPr>
+              <a:t>Пятый уровень структуры</a:t>
+            </a:r>
+            <a:endParaRPr b="0" lang="ru-RU" sz="1800" spc="-1" strike="noStrike">
+              <a:solidFill>
+                <a:srgbClr val="000000"/>
+              </a:solidFill>
+              <a:latin typeface="XO Oriel"/>
+            </a:endParaRPr>
+          </a:p>
+          <a:p>
+            <a:pPr lvl="5" marL="2592000" indent="-216000">
+              <a:spcBef>
+                <a:spcPts val="283"/>
+              </a:spcBef>
+              <a:buClr>
+                <a:srgbClr val="000000"/>
+              </a:buClr>
+              <a:buSzPct val="45000"/>
+              <a:buFont typeface="Wingdings" charset="2"/>
+              <a:buChar char=""/>
+            </a:pPr>
+            <a:r>
+              <a:rPr b="0" lang="ru-RU" sz="1800" spc="-1" strike="noStrike">
+                <a:solidFill>
+                  <a:srgbClr val="000000"/>
+                </a:solidFill>
+                <a:latin typeface="XO Oriel"/>
+              </a:rPr>
+              <a:t>Шестой уровень структуры</a:t>
+            </a:r>
+            <a:endParaRPr b="0" lang="ru-RU" sz="1800" spc="-1" strike="noStrike">
+              <a:solidFill>
+                <a:srgbClr val="000000"/>
+              </a:solidFill>
+              <a:latin typeface="XO Oriel"/>
+            </a:endParaRPr>
+          </a:p>
+          <a:p>
+            <a:pPr lvl="6" marL="3024000" indent="-216000">
+              <a:spcBef>
+                <a:spcPts val="283"/>
+              </a:spcBef>
+              <a:buClr>
+                <a:srgbClr val="000000"/>
+              </a:buClr>
+              <a:buSzPct val="45000"/>
+              <a:buFont typeface="Wingdings" charset="2"/>
+              <a:buChar char=""/>
+            </a:pPr>
+            <a:r>
+              <a:rPr b="0" lang="ru-RU" sz="1800" spc="-1" strike="noStrike">
+                <a:solidFill>
+                  <a:srgbClr val="000000"/>
+                </a:solidFill>
+                <a:latin typeface="XO Oriel"/>
+              </a:rPr>
+              <a:t>Седьмой уровень структуры</a:t>
+            </a:r>
+            <a:endParaRPr b="0" lang="ru-RU" sz="1800" spc="-1" strike="noStrike">
+              <a:solidFill>
+                <a:srgbClr val="000000"/>
+              </a:solidFill>
+              <a:latin typeface="XO Oriel"/>
+            </a:endParaRPr>
+          </a:p>
+        </p:txBody>
+      </p:sp>
+      <p:sp>
+        <p:nvSpPr>
+          <p:cNvPr id="4" name="PlaceHolder 5"/>
+          <p:cNvSpPr>
+            <a:spLocks noGrp="1"/>
+          </p:cNvSpPr>
+          <p:nvPr>
+            <p:ph type="ftr" idx="1"/>
+          </p:nvPr>
+        </p:nvSpPr>
+        <p:spPr>
+          <a:xfrm>
+            <a:off x="4038480" y="6356520"/>
+            <a:ext cx="4114080" cy="364320"/>
           </a:xfrm>
           <a:prstGeom prst="rect">
             <a:avLst/>
@@ -2699,40 +3299,42 @@
             <a:noAutofit/>
           </a:bodyPr>
           <a:lstStyle>
-            <a:lvl1pPr indent="0" defTabSz="914400">
+            <a:lvl1pPr indent="0" algn="ctr">
               <a:lnSpc>
                 <a:spcPct val="100000"/>
               </a:lnSpc>
               <a:buNone/>
-              <a:defRPr b="0" lang="ru-RU" sz="1200" spc="-1" strike="noStrike">
-                <a:solidFill>
-                  <a:schemeClr val="dk1">
-                    <a:tint val="82000"/>
-                  </a:schemeClr>
-                </a:solidFill>
-                <a:latin typeface="Aptos"/>
+              <a:tabLst>
+                <a:tab algn="l" pos="0"/>
+              </a:tabLst>
+              <a:defRPr b="0" lang="ru-RU" sz="1400" spc="-1" strike="noStrike">
+                <a:solidFill>
+                  <a:srgbClr val="000000"/>
+                </a:solidFill>
+                <a:latin typeface="Times New Roman"/>
               </a:defRPr>
             </a:lvl1pPr>
           </a:lstStyle>
           <a:p>
-            <a:pPr indent="0" defTabSz="914400">
+            <a:pPr indent="0" algn="ctr">
               <a:lnSpc>
                 <a:spcPct val="100000"/>
               </a:lnSpc>
               <a:buNone/>
-            </a:pPr>
-            <a:r>
-              <a:rPr b="0" lang="ru-RU" sz="1200" spc="-1" strike="noStrike">
-                <a:solidFill>
-                  <a:schemeClr val="dk1">
-                    <a:tint val="82000"/>
-                  </a:schemeClr>
-                </a:solidFill>
-                <a:latin typeface="Aptos"/>
-              </a:rPr>
-              <a:t> </a:t>
-            </a:r>
-            <a:endParaRPr b="0" lang="ru-RU" sz="1200" spc="-1" strike="noStrike">
+              <a:tabLst>
+                <a:tab algn="l" pos="0"/>
+              </a:tabLst>
+            </a:pPr>
+            <a:r>
+              <a:rPr b="0" lang="ru-RU" sz="1400" spc="-1" strike="noStrike">
+                <a:solidFill>
+                  <a:srgbClr val="000000"/>
+                </a:solidFill>
+                <a:latin typeface="Times New Roman"/>
+              </a:rPr>
+              <a:t>&lt;нижний колонтитул&gt;</a:t>
+            </a:r>
+            <a:endParaRPr b="0" lang="ru-RU" sz="1400" spc="-1" strike="noStrike">
               <a:solidFill>
                 <a:srgbClr val="000000"/>
               </a:solidFill>
@@ -2743,78 +3345,18 @@
       </p:sp>
       <p:sp>
         <p:nvSpPr>
-          <p:cNvPr id="2" name="PlaceHolder 3"/>
-          <p:cNvSpPr>
-            <a:spLocks noGrp="1"/>
-          </p:cNvSpPr>
-          <p:nvPr>
-            <p:ph type="ftr" idx="2"/>
-          </p:nvPr>
-        </p:nvSpPr>
-        <p:spPr>
-          <a:xfrm>
-            <a:off x="4038480" y="6356520"/>
-            <a:ext cx="4114440" cy="364680"/>
-          </a:xfrm>
-          <a:prstGeom prst="rect">
-            <a:avLst/>
-          </a:prstGeom>
-          <a:noFill/>
-          <a:ln w="0">
-            <a:noFill/>
-          </a:ln>
-        </p:spPr>
-        <p:txBody>
-          <a:bodyPr lIns="91440" rIns="91440" tIns="45720" bIns="45720" anchor="ctr">
-            <a:noAutofit/>
-          </a:bodyPr>
-          <a:lstStyle>
-            <a:lvl1pPr indent="0" algn="ctr">
-              <a:buNone/>
-              <a:defRPr b="0" lang="ru-RU" sz="1400" spc="-1" strike="noStrike">
-                <a:solidFill>
-                  <a:srgbClr val="000000"/>
-                </a:solidFill>
-                <a:latin typeface="Times New Roman"/>
-              </a:defRPr>
-            </a:lvl1pPr>
-          </a:lstStyle>
-          <a:p>
-            <a:pPr indent="0" algn="ctr">
-              <a:buNone/>
-            </a:pPr>
-            <a:r>
-              <a:rPr b="0" lang="ru-RU" sz="1400" spc="-1" strike="noStrike">
-                <a:solidFill>
-                  <a:srgbClr val="000000"/>
-                </a:solidFill>
-                <a:latin typeface="Times New Roman"/>
-              </a:rPr>
-              <a:t> </a:t>
-            </a:r>
-            <a:endParaRPr b="0" lang="ru-RU" sz="1400" spc="-1" strike="noStrike">
-              <a:solidFill>
-                <a:srgbClr val="000000"/>
-              </a:solidFill>
-              <a:latin typeface="Times New Roman"/>
-            </a:endParaRPr>
-          </a:p>
-        </p:txBody>
-      </p:sp>
-      <p:sp>
-        <p:nvSpPr>
-          <p:cNvPr id="3" name="PlaceHolder 4"/>
-          <p:cNvSpPr>
-            <a:spLocks noGrp="1"/>
-          </p:cNvSpPr>
-          <p:nvPr>
-            <p:ph type="sldNum" idx="3"/>
+          <p:cNvPr id="5" name="PlaceHolder 6"/>
+          <p:cNvSpPr>
+            <a:spLocks noGrp="1"/>
+          </p:cNvSpPr>
+          <p:nvPr>
+            <p:ph type="sldNum" idx="2"/>
           </p:nvPr>
         </p:nvSpPr>
         <p:spPr>
           <a:xfrm>
             <a:off x="8610480" y="6356520"/>
-            <a:ext cx="2742840" cy="364680"/>
+            <a:ext cx="2742480" cy="364320"/>
           </a:xfrm>
           <a:prstGeom prst="rect">
             <a:avLst/>
@@ -2834,6 +3376,9 @@
                 <a:spcPct val="100000"/>
               </a:lnSpc>
               <a:buNone/>
+              <a:tabLst>
+                <a:tab algn="l" pos="0"/>
+              </a:tabLst>
               <a:defRPr b="0" lang="ru-RU" sz="1200" spc="-1" strike="noStrike">
                 <a:solidFill>
                   <a:schemeClr val="dk1">
@@ -2850,8 +3395,11 @@
                 <a:spcPct val="100000"/>
               </a:lnSpc>
               <a:buNone/>
-            </a:pPr>
-            <a:fld id="{4E03335E-B1DB-4ED9-BC4E-0C50862A94CB}" type="slidenum">
+              <a:tabLst>
+                <a:tab algn="l" pos="0"/>
+              </a:tabLst>
+            </a:pPr>
+            <a:fld id="{0512DB43-13A4-4D20-BA45-1CD0B059ACF8}" type="slidenum">
               <a:rPr b="0" lang="ru-RU" sz="1200" spc="-1" strike="noStrike">
                 <a:solidFill>
                   <a:schemeClr val="dk1">
@@ -2860,7 +3408,7 @@
                 </a:solidFill>
                 <a:latin typeface="Aptos"/>
               </a:rPr>
-              <a:t>6</a:t>
+              <a:t>&lt;номер&gt;</a:t>
             </a:fld>
             <a:endParaRPr b="0" lang="ru-RU" sz="1200" spc="-1" strike="noStrike">
               <a:solidFill>
@@ -2873,246 +3421,60 @@
       </p:sp>
       <p:sp>
         <p:nvSpPr>
-          <p:cNvPr id="4" name="PlaceHolder 5"/>
-          <p:cNvSpPr>
-            <a:spLocks noGrp="1"/>
-          </p:cNvSpPr>
-          <p:nvPr>
-            <p:ph type="body"/>
-          </p:nvPr>
-        </p:nvSpPr>
-        <p:spPr>
-          <a:xfrm>
-            <a:off x="609480" y="1604520"/>
-            <a:ext cx="10972440" cy="3977280"/>
-          </a:xfrm>
-          <a:prstGeom prst="rect">
-            <a:avLst/>
-          </a:prstGeom>
-          <a:noFill/>
-          <a:ln w="0">
-            <a:noFill/>
-          </a:ln>
-        </p:spPr>
-        <p:txBody>
-          <a:bodyPr lIns="0" rIns="0" tIns="0" bIns="0" anchor="t">
-            <a:normAutofit/>
-          </a:bodyPr>
-          <a:p>
-            <a:pPr marL="432000" indent="-324000">
-              <a:lnSpc>
-                <a:spcPct val="90000"/>
-              </a:lnSpc>
-              <a:spcBef>
-                <a:spcPts val="1417"/>
-              </a:spcBef>
-              <a:buClr>
-                <a:srgbClr val="000000"/>
-              </a:buClr>
-              <a:buSzPct val="45000"/>
-              <a:buFont typeface="Wingdings" charset="2"/>
-              <a:buChar char=""/>
-            </a:pPr>
-            <a:r>
-              <a:rPr b="0" lang="ru-RU" sz="2800" spc="-1" strike="noStrike">
-                <a:solidFill>
-                  <a:schemeClr val="dk1"/>
-                </a:solidFill>
-                <a:latin typeface="Aptos"/>
-              </a:rPr>
-              <a:t>Для правки структуры щёлкните мышью</a:t>
-            </a:r>
-            <a:endParaRPr b="0" lang="ru-RU" sz="2800" spc="-1" strike="noStrike">
-              <a:solidFill>
-                <a:schemeClr val="dk1"/>
-              </a:solidFill>
-              <a:latin typeface="Aptos"/>
-            </a:endParaRPr>
-          </a:p>
-          <a:p>
-            <a:pPr lvl="1" marL="864000" indent="-324000">
-              <a:lnSpc>
-                <a:spcPct val="90000"/>
-              </a:lnSpc>
-              <a:spcBef>
-                <a:spcPts val="1134"/>
-              </a:spcBef>
-              <a:buClr>
-                <a:srgbClr val="000000"/>
-              </a:buClr>
-              <a:buSzPct val="75000"/>
-              <a:buFont typeface="Symbol" charset="2"/>
-              <a:buChar char=""/>
-            </a:pPr>
-            <a:r>
-              <a:rPr b="0" lang="ru-RU" sz="2000" spc="-1" strike="noStrike">
-                <a:solidFill>
-                  <a:schemeClr val="dk1"/>
-                </a:solidFill>
-                <a:latin typeface="Aptos"/>
-              </a:rPr>
-              <a:t>Второй уровень структуры</a:t>
-            </a:r>
-            <a:endParaRPr b="0" lang="ru-RU" sz="2000" spc="-1" strike="noStrike">
-              <a:solidFill>
-                <a:schemeClr val="dk1"/>
-              </a:solidFill>
-              <a:latin typeface="Aptos"/>
-            </a:endParaRPr>
-          </a:p>
-          <a:p>
-            <a:pPr lvl="2" marL="1296000" indent="-288000">
-              <a:lnSpc>
-                <a:spcPct val="90000"/>
-              </a:lnSpc>
-              <a:spcBef>
-                <a:spcPts val="850"/>
-              </a:spcBef>
-              <a:buClr>
-                <a:srgbClr val="000000"/>
-              </a:buClr>
-              <a:buSzPct val="45000"/>
-              <a:buFont typeface="Wingdings" charset="2"/>
-              <a:buChar char=""/>
-            </a:pPr>
-            <a:r>
-              <a:rPr b="0" lang="ru-RU" sz="1800" spc="-1" strike="noStrike">
-                <a:solidFill>
-                  <a:schemeClr val="dk1"/>
-                </a:solidFill>
-                <a:latin typeface="Aptos"/>
-              </a:rPr>
-              <a:t>Третий уровень структуры</a:t>
-            </a:r>
-            <a:endParaRPr b="0" lang="ru-RU" sz="1800" spc="-1" strike="noStrike">
-              <a:solidFill>
-                <a:schemeClr val="dk1"/>
-              </a:solidFill>
-              <a:latin typeface="Aptos"/>
-            </a:endParaRPr>
-          </a:p>
-          <a:p>
-            <a:pPr lvl="3" marL="1728000" indent="-216000">
-              <a:lnSpc>
-                <a:spcPct val="90000"/>
-              </a:lnSpc>
-              <a:spcBef>
-                <a:spcPts val="567"/>
-              </a:spcBef>
-              <a:buClr>
-                <a:srgbClr val="000000"/>
-              </a:buClr>
-              <a:buSzPct val="75000"/>
-              <a:buFont typeface="Symbol" charset="2"/>
-              <a:buChar char=""/>
-            </a:pPr>
-            <a:r>
-              <a:rPr b="0" lang="ru-RU" sz="1800" spc="-1" strike="noStrike">
-                <a:solidFill>
-                  <a:schemeClr val="dk1"/>
-                </a:solidFill>
-                <a:latin typeface="Aptos"/>
-              </a:rPr>
-              <a:t>Четвёртый уровень структуры</a:t>
-            </a:r>
-            <a:endParaRPr b="0" lang="ru-RU" sz="1800" spc="-1" strike="noStrike">
-              <a:solidFill>
-                <a:schemeClr val="dk1"/>
-              </a:solidFill>
-              <a:latin typeface="Aptos"/>
-            </a:endParaRPr>
-          </a:p>
-          <a:p>
-            <a:pPr lvl="4" marL="2160000" indent="-216000">
-              <a:lnSpc>
-                <a:spcPct val="90000"/>
-              </a:lnSpc>
-              <a:spcBef>
-                <a:spcPts val="283"/>
-              </a:spcBef>
-              <a:buClr>
-                <a:srgbClr val="000000"/>
-              </a:buClr>
-              <a:buSzPct val="45000"/>
-              <a:buFont typeface="Wingdings" charset="2"/>
-              <a:buChar char=""/>
-            </a:pPr>
-            <a:r>
-              <a:rPr b="0" lang="ru-RU" sz="2000" spc="-1" strike="noStrike">
-                <a:solidFill>
-                  <a:schemeClr val="dk1"/>
-                </a:solidFill>
-                <a:latin typeface="Aptos"/>
-              </a:rPr>
-              <a:t>Пятый уровень структуры</a:t>
-            </a:r>
-            <a:endParaRPr b="0" lang="ru-RU" sz="2000" spc="-1" strike="noStrike">
-              <a:solidFill>
-                <a:schemeClr val="dk1"/>
-              </a:solidFill>
-              <a:latin typeface="Aptos"/>
-            </a:endParaRPr>
-          </a:p>
-          <a:p>
-            <a:pPr lvl="5" marL="2592000" indent="-216000">
-              <a:lnSpc>
-                <a:spcPct val="90000"/>
-              </a:lnSpc>
-              <a:spcBef>
-                <a:spcPts val="283"/>
-              </a:spcBef>
-              <a:buClr>
-                <a:srgbClr val="000000"/>
-              </a:buClr>
-              <a:buSzPct val="45000"/>
-              <a:buFont typeface="Wingdings" charset="2"/>
-              <a:buChar char=""/>
-            </a:pPr>
-            <a:r>
-              <a:rPr b="0" lang="ru-RU" sz="2000" spc="-1" strike="noStrike">
-                <a:solidFill>
-                  <a:schemeClr val="dk1"/>
-                </a:solidFill>
-                <a:latin typeface="Aptos"/>
-              </a:rPr>
-              <a:t>Шестой уровень структуры</a:t>
-            </a:r>
-            <a:endParaRPr b="0" lang="ru-RU" sz="2000" spc="-1" strike="noStrike">
-              <a:solidFill>
-                <a:schemeClr val="dk1"/>
-              </a:solidFill>
-              <a:latin typeface="Aptos"/>
-            </a:endParaRPr>
-          </a:p>
-          <a:p>
-            <a:pPr lvl="6" marL="3024000" indent="-216000">
-              <a:lnSpc>
-                <a:spcPct val="90000"/>
-              </a:lnSpc>
-              <a:spcBef>
-                <a:spcPts val="283"/>
-              </a:spcBef>
-              <a:buClr>
-                <a:srgbClr val="000000"/>
-              </a:buClr>
-              <a:buSzPct val="45000"/>
-              <a:buFont typeface="Wingdings" charset="2"/>
-              <a:buChar char=""/>
-            </a:pPr>
-            <a:r>
-              <a:rPr b="0" lang="ru-RU" sz="2000" spc="-1" strike="noStrike">
-                <a:solidFill>
-                  <a:schemeClr val="dk1"/>
-                </a:solidFill>
-                <a:latin typeface="Aptos"/>
-              </a:rPr>
-              <a:t>Седьмой уровень структуры</a:t>
-            </a:r>
-            <a:endParaRPr b="0" lang="ru-RU" sz="2000" spc="-1" strike="noStrike">
-              <a:solidFill>
-                <a:schemeClr val="dk1"/>
-              </a:solidFill>
-              <a:latin typeface="Aptos"/>
+          <p:cNvPr id="6" name="PlaceHolder 7"/>
+          <p:cNvSpPr>
+            <a:spLocks noGrp="1"/>
+          </p:cNvSpPr>
+          <p:nvPr>
+            <p:ph type="dt" idx="3"/>
+          </p:nvPr>
+        </p:nvSpPr>
+        <p:spPr>
+          <a:xfrm>
+            <a:off x="838080" y="6356520"/>
+            <a:ext cx="2742480" cy="364320"/>
+          </a:xfrm>
+          <a:prstGeom prst="rect">
+            <a:avLst/>
+          </a:prstGeom>
+          <a:noFill/>
+          <a:ln w="0">
+            <a:noFill/>
+          </a:ln>
+        </p:spPr>
+        <p:txBody>
+          <a:bodyPr lIns="91440" rIns="91440" tIns="45720" bIns="45720" anchor="ctr">
+            <a:noAutofit/>
+          </a:bodyPr>
+          <a:lstStyle>
+            <a:lvl1pPr indent="0">
+              <a:buNone/>
+              <a:defRPr b="0" lang="ru-RU" sz="1400" spc="-1" strike="noStrike">
+                <a:solidFill>
+                  <a:srgbClr val="000000"/>
+                </a:solidFill>
+                <a:latin typeface="Times New Roman"/>
+              </a:defRPr>
+            </a:lvl1pPr>
+          </a:lstStyle>
+          <a:p>
+            <a:pPr indent="0">
+              <a:buNone/>
+            </a:pPr>
+            <a:r>
+              <a:rPr b="0" lang="ru-RU" sz="1400" spc="-1" strike="noStrike">
+                <a:solidFill>
+                  <a:srgbClr val="000000"/>
+                </a:solidFill>
+                <a:latin typeface="Times New Roman"/>
+              </a:rPr>
+              <a:t>&lt;дата/время&gt;</a:t>
+            </a:r>
+            <a:endParaRPr b="0" lang="ru-RU" sz="1400" spc="-1" strike="noStrike">
+              <a:solidFill>
+                <a:srgbClr val="000000"/>
+              </a:solidFill>
+              <a:latin typeface="Times New Roman"/>
             </a:endParaRPr>
           </a:p>
         </p:txBody>
@@ -3156,7 +3518,7 @@
       </p:grpSpPr>
       <p:sp>
         <p:nvSpPr>
-          <p:cNvPr id="41" name="PlaceHolder 1"/>
+          <p:cNvPr id="43" name="PlaceHolder 1"/>
           <p:cNvSpPr>
             <a:spLocks noGrp="1"/>
           </p:cNvSpPr>
@@ -3167,7 +3529,7 @@
         <p:spPr>
           <a:xfrm>
             <a:off x="1523880" y="1122480"/>
-            <a:ext cx="9143640" cy="2387160"/>
+            <a:ext cx="9143280" cy="2386800"/>
           </a:xfrm>
           <a:prstGeom prst="rect">
             <a:avLst/>
@@ -3187,6 +3549,9 @@
                 <a:spcPct val="90000"/>
               </a:lnSpc>
               <a:buNone/>
+              <a:tabLst>
+                <a:tab algn="l" pos="0"/>
+              </a:tabLst>
             </a:pPr>
             <a:r>
               <a:rPr b="0" lang="ru-RU" sz="6000" spc="-1" strike="noStrike">
@@ -3220,16 +3585,16 @@
             </a:r>
             <a:endParaRPr b="0" lang="ru-RU" sz="6000" spc="-1" strike="noStrike">
               <a:solidFill>
-                <a:schemeClr val="dk1"/>
-              </a:solidFill>
-              <a:latin typeface="Aptos"/>
-            </a:endParaRPr>
-          </a:p>
-        </p:txBody>
-      </p:sp>
-      <p:sp>
-        <p:nvSpPr>
-          <p:cNvPr id="42" name="PlaceHolder 2"/>
+                <a:srgbClr val="000000"/>
+              </a:solidFill>
+              <a:latin typeface="XO Oriel"/>
+            </a:endParaRPr>
+          </a:p>
+        </p:txBody>
+      </p:sp>
+      <p:sp>
+        <p:nvSpPr>
+          <p:cNvPr id="44" name="PlaceHolder 2"/>
           <p:cNvSpPr>
             <a:spLocks noGrp="1"/>
           </p:cNvSpPr>
@@ -3240,7 +3605,7 @@
         <p:spPr>
           <a:xfrm>
             <a:off x="1523880" y="3602160"/>
-            <a:ext cx="9143640" cy="1655280"/>
+            <a:ext cx="9143280" cy="1654920"/>
           </a:xfrm>
           <a:prstGeom prst="rect">
             <a:avLst/>
@@ -3317,7 +3682,7 @@
       </p:grpSpPr>
       <p:sp>
         <p:nvSpPr>
-          <p:cNvPr id="43" name="PlaceHolder 1"/>
+          <p:cNvPr id="45" name="PlaceHolder 1"/>
           <p:cNvSpPr>
             <a:spLocks noGrp="1"/>
           </p:cNvSpPr>
@@ -3328,7 +3693,7 @@
         <p:spPr>
           <a:xfrm>
             <a:off x="838080" y="365040"/>
-            <a:ext cx="10515240" cy="1325160"/>
+            <a:ext cx="10514880" cy="1324800"/>
           </a:xfrm>
           <a:prstGeom prst="rect">
             <a:avLst/>
@@ -3348,6 +3713,9 @@
                 <a:spcPct val="90000"/>
               </a:lnSpc>
               <a:buNone/>
+              <a:tabLst>
+                <a:tab algn="l" pos="0"/>
+              </a:tabLst>
             </a:pPr>
             <a:r>
               <a:rPr b="0" lang="ru-RU" sz="4400" spc="-1" strike="noStrike">
@@ -3360,16 +3728,16 @@
             </a:r>
             <a:endParaRPr b="0" lang="ru-RU" sz="4400" spc="-1" strike="noStrike">
               <a:solidFill>
-                <a:schemeClr val="dk1"/>
-              </a:solidFill>
-              <a:latin typeface="Aptos"/>
-            </a:endParaRPr>
-          </a:p>
-        </p:txBody>
-      </p:sp>
-      <p:sp>
-        <p:nvSpPr>
-          <p:cNvPr id="44" name="PlaceHolder 2"/>
+                <a:srgbClr val="000000"/>
+              </a:solidFill>
+              <a:latin typeface="XO Oriel"/>
+            </a:endParaRPr>
+          </a:p>
+        </p:txBody>
+      </p:sp>
+      <p:sp>
+        <p:nvSpPr>
+          <p:cNvPr id="46" name="PlaceHolder 2"/>
           <p:cNvSpPr>
             <a:spLocks noGrp="1"/>
           </p:cNvSpPr>
@@ -3380,7 +3748,7 @@
         <p:spPr>
           <a:xfrm>
             <a:off x="838080" y="1825560"/>
-            <a:ext cx="10515240" cy="4350960"/>
+            <a:ext cx="10514880" cy="4350600"/>
           </a:xfrm>
           <a:prstGeom prst="rect">
             <a:avLst/>
@@ -3428,9 +3796,9 @@
             </a:r>
             <a:endParaRPr b="0" lang="ru-RU" sz="2800" spc="-1" strike="noStrike">
               <a:solidFill>
-                <a:schemeClr val="dk1"/>
-              </a:solidFill>
-              <a:latin typeface="Aptos"/>
+                <a:srgbClr val="000000"/>
+              </a:solidFill>
+              <a:latin typeface="XO Oriel"/>
             </a:endParaRPr>
           </a:p>
           <a:p>
@@ -3467,9 +3835,9 @@
             </a:r>
             <a:endParaRPr b="0" lang="ru-RU" sz="2800" spc="-1" strike="noStrike">
               <a:solidFill>
-                <a:schemeClr val="dk1"/>
-              </a:solidFill>
-              <a:latin typeface="Aptos"/>
+                <a:srgbClr val="000000"/>
+              </a:solidFill>
+              <a:latin typeface="XO Oriel"/>
             </a:endParaRPr>
           </a:p>
           <a:p>
@@ -3497,9 +3865,9 @@
             </a:r>
             <a:endParaRPr b="0" lang="ru-RU" sz="2800" spc="-1" strike="noStrike">
               <a:solidFill>
-                <a:schemeClr val="dk1"/>
-              </a:solidFill>
-              <a:latin typeface="Aptos"/>
+                <a:srgbClr val="000000"/>
+              </a:solidFill>
+              <a:latin typeface="XO Oriel"/>
             </a:endParaRPr>
           </a:p>
         </p:txBody>
@@ -3536,7 +3904,7 @@
       </p:grpSpPr>
       <p:sp>
         <p:nvSpPr>
-          <p:cNvPr id="45" name="PlaceHolder 1"/>
+          <p:cNvPr id="47" name="PlaceHolder 1"/>
           <p:cNvSpPr>
             <a:spLocks noGrp="1"/>
           </p:cNvSpPr>
@@ -3547,7 +3915,7 @@
         <p:spPr>
           <a:xfrm>
             <a:off x="838080" y="365040"/>
-            <a:ext cx="10515240" cy="1325160"/>
+            <a:ext cx="10514880" cy="1324800"/>
           </a:xfrm>
           <a:prstGeom prst="rect">
             <a:avLst/>
@@ -3567,6 +3935,9 @@
                 <a:spcPct val="90000"/>
               </a:lnSpc>
               <a:buNone/>
+              <a:tabLst>
+                <a:tab algn="l" pos="0"/>
+              </a:tabLst>
             </a:pPr>
             <a:r>
               <a:rPr b="0" lang="ru-RU" sz="4400" spc="-1" strike="noStrike">
@@ -3579,16 +3950,16 @@
             </a:r>
             <a:endParaRPr b="0" lang="ru-RU" sz="4400" spc="-1" strike="noStrike">
               <a:solidFill>
-                <a:schemeClr val="dk1"/>
-              </a:solidFill>
-              <a:latin typeface="Aptos"/>
-            </a:endParaRPr>
-          </a:p>
-        </p:txBody>
-      </p:sp>
-      <p:sp>
-        <p:nvSpPr>
-          <p:cNvPr id="46" name="PlaceHolder 2"/>
+                <a:srgbClr val="000000"/>
+              </a:solidFill>
+              <a:latin typeface="XO Oriel"/>
+            </a:endParaRPr>
+          </a:p>
+        </p:txBody>
+      </p:sp>
+      <p:sp>
+        <p:nvSpPr>
+          <p:cNvPr id="48" name="PlaceHolder 2"/>
           <p:cNvSpPr>
             <a:spLocks noGrp="1"/>
           </p:cNvSpPr>
@@ -3599,7 +3970,7 @@
         <p:spPr>
           <a:xfrm>
             <a:off x="838080" y="1825560"/>
-            <a:ext cx="10515240" cy="4350960"/>
+            <a:ext cx="10514880" cy="4350600"/>
           </a:xfrm>
           <a:prstGeom prst="rect">
             <a:avLst/>
@@ -3638,9 +4009,9 @@
             </a:r>
             <a:endParaRPr b="0" lang="ru-RU" sz="2800" spc="-1" strike="noStrike">
               <a:solidFill>
-                <a:schemeClr val="dk1"/>
-              </a:solidFill>
-              <a:latin typeface="Aptos"/>
+                <a:srgbClr val="000000"/>
+              </a:solidFill>
+              <a:latin typeface="XO Oriel"/>
             </a:endParaRPr>
           </a:p>
           <a:p>
@@ -3668,9 +4039,9 @@
             </a:r>
             <a:endParaRPr b="0" lang="ru-RU" sz="2800" spc="-1" strike="noStrike">
               <a:solidFill>
-                <a:schemeClr val="dk1"/>
-              </a:solidFill>
-              <a:latin typeface="Aptos"/>
+                <a:srgbClr val="000000"/>
+              </a:solidFill>
+              <a:latin typeface="XO Oriel"/>
             </a:endParaRPr>
           </a:p>
           <a:p>
@@ -3694,13 +4065,13 @@
                 </a:solidFill>
                 <a:latin typeface="Aptos"/>
               </a:rPr>
-              <a:t>При смене направления прыжка, герой разворачивается</a:t>
+              <a:t>При смене направления прыжка, герой разворачивается (анимация)</a:t>
             </a:r>
             <a:endParaRPr b="0" lang="ru-RU" sz="2800" spc="-1" strike="noStrike">
               <a:solidFill>
-                <a:schemeClr val="dk1"/>
-              </a:solidFill>
-              <a:latin typeface="Aptos"/>
+                <a:srgbClr val="000000"/>
+              </a:solidFill>
+              <a:latin typeface="XO Oriel"/>
             </a:endParaRPr>
           </a:p>
         </p:txBody>
@@ -3737,7 +4108,7 @@
       </p:grpSpPr>
       <p:sp>
         <p:nvSpPr>
-          <p:cNvPr id="47" name="PlaceHolder 1"/>
+          <p:cNvPr id="49" name="PlaceHolder 1"/>
           <p:cNvSpPr>
             <a:spLocks noGrp="1"/>
           </p:cNvSpPr>
@@ -3748,7 +4119,7 @@
         <p:spPr>
           <a:xfrm>
             <a:off x="838080" y="365040"/>
-            <a:ext cx="10515240" cy="1325160"/>
+            <a:ext cx="10514880" cy="1324800"/>
           </a:xfrm>
           <a:prstGeom prst="rect">
             <a:avLst/>
@@ -3768,6 +4139,9 @@
                 <a:spcPct val="90000"/>
               </a:lnSpc>
               <a:buNone/>
+              <a:tabLst>
+                <a:tab algn="l" pos="0"/>
+              </a:tabLst>
             </a:pPr>
             <a:r>
               <a:rPr b="0" lang="ru-RU" sz="4400" spc="-1" strike="noStrike">
@@ -3780,16 +4154,16 @@
             </a:r>
             <a:endParaRPr b="0" lang="ru-RU" sz="4400" spc="-1" strike="noStrike">
               <a:solidFill>
-                <a:schemeClr val="dk1"/>
-              </a:solidFill>
-              <a:latin typeface="Aptos"/>
-            </a:endParaRPr>
-          </a:p>
-        </p:txBody>
-      </p:sp>
-      <p:sp>
-        <p:nvSpPr>
-          <p:cNvPr id="48" name="PlaceHolder 2"/>
+                <a:srgbClr val="000000"/>
+              </a:solidFill>
+              <a:latin typeface="XO Oriel"/>
+            </a:endParaRPr>
+          </a:p>
+        </p:txBody>
+      </p:sp>
+      <p:sp>
+        <p:nvSpPr>
+          <p:cNvPr id="50" name="PlaceHolder 2"/>
           <p:cNvSpPr>
             <a:spLocks noGrp="1"/>
           </p:cNvSpPr>
@@ -3800,7 +4174,7 @@
         <p:spPr>
           <a:xfrm>
             <a:off x="838080" y="1825560"/>
-            <a:ext cx="10515240" cy="4350960"/>
+            <a:ext cx="10514880" cy="4350600"/>
           </a:xfrm>
           <a:prstGeom prst="rect">
             <a:avLst/>
@@ -3835,13 +4209,13 @@
                 </a:solidFill>
                 <a:latin typeface="Aptos"/>
               </a:rPr>
-              <a:t>Различие в каждом уровне – уровень гравитации</a:t>
+              <a:t>Различие в каждом уровне – коэффициент гравитации</a:t>
             </a:r>
             <a:endParaRPr b="0" lang="ru-RU" sz="2800" spc="-1" strike="noStrike">
               <a:solidFill>
-                <a:schemeClr val="dk1"/>
-              </a:solidFill>
-              <a:latin typeface="Aptos"/>
+                <a:srgbClr val="000000"/>
+              </a:solidFill>
+              <a:latin typeface="XO Oriel"/>
             </a:endParaRPr>
           </a:p>
           <a:p>
@@ -3869,9 +4243,9 @@
             </a:r>
             <a:endParaRPr b="0" lang="ru-RU" sz="2800" spc="-1" strike="noStrike">
               <a:solidFill>
-                <a:schemeClr val="dk1"/>
-              </a:solidFill>
-              <a:latin typeface="Aptos"/>
+                <a:srgbClr val="000000"/>
+              </a:solidFill>
+              <a:latin typeface="XO Oriel"/>
             </a:endParaRPr>
           </a:p>
         </p:txBody>
@@ -3908,7 +4282,7 @@
       </p:grpSpPr>
       <p:sp>
         <p:nvSpPr>
-          <p:cNvPr id="49" name="PlaceHolder 1"/>
+          <p:cNvPr id="51" name="PlaceHolder 1"/>
           <p:cNvSpPr>
             <a:spLocks noGrp="1"/>
           </p:cNvSpPr>
@@ -3919,7 +4293,7 @@
         <p:spPr>
           <a:xfrm>
             <a:off x="838080" y="365040"/>
-            <a:ext cx="10515240" cy="1325160"/>
+            <a:ext cx="10514880" cy="1324800"/>
           </a:xfrm>
           <a:prstGeom prst="rect">
             <a:avLst/>
@@ -3939,6 +4313,9 @@
                 <a:spcPct val="90000"/>
               </a:lnSpc>
               <a:buNone/>
+              <a:tabLst>
+                <a:tab algn="l" pos="0"/>
+              </a:tabLst>
             </a:pPr>
             <a:r>
               <a:rPr b="0" lang="ru-RU" sz="4400" spc="-1" strike="noStrike">
@@ -3951,16 +4328,16 @@
             </a:r>
             <a:endParaRPr b="0" lang="ru-RU" sz="4400" spc="-1" strike="noStrike">
               <a:solidFill>
-                <a:schemeClr val="dk1"/>
-              </a:solidFill>
-              <a:latin typeface="Aptos"/>
-            </a:endParaRPr>
-          </a:p>
-        </p:txBody>
-      </p:sp>
-      <p:sp>
-        <p:nvSpPr>
-          <p:cNvPr id="50" name="PlaceHolder 2"/>
+                <a:srgbClr val="000000"/>
+              </a:solidFill>
+              <a:latin typeface="XO Oriel"/>
+            </a:endParaRPr>
+          </a:p>
+        </p:txBody>
+      </p:sp>
+      <p:sp>
+        <p:nvSpPr>
+          <p:cNvPr id="52" name="PlaceHolder 2"/>
           <p:cNvSpPr>
             <a:spLocks noGrp="1"/>
           </p:cNvSpPr>
@@ -3971,7 +4348,7 @@
         <p:spPr>
           <a:xfrm>
             <a:off x="838080" y="1825560"/>
-            <a:ext cx="10515240" cy="4350960"/>
+            <a:ext cx="10514880" cy="4350600"/>
           </a:xfrm>
           <a:prstGeom prst="rect">
             <a:avLst/>
@@ -4006,13 +4383,13 @@
                 </a:solidFill>
                 <a:latin typeface="Aptos"/>
               </a:rPr>
-              <a:t>Рекорды хранятся в отдельном файле</a:t>
+              <a:t>Рекорды хранятся в csv файле</a:t>
             </a:r>
             <a:endParaRPr b="0" lang="ru-RU" sz="2800" spc="-1" strike="noStrike">
               <a:solidFill>
-                <a:schemeClr val="dk1"/>
-              </a:solidFill>
-              <a:latin typeface="Aptos"/>
+                <a:srgbClr val="000000"/>
+              </a:solidFill>
+              <a:latin typeface="XO Oriel"/>
             </a:endParaRPr>
           </a:p>
           <a:p>
@@ -4040,9 +4417,9 @@
             </a:r>
             <a:endParaRPr b="0" lang="ru-RU" sz="2800" spc="-1" strike="noStrike">
               <a:solidFill>
-                <a:schemeClr val="dk1"/>
-              </a:solidFill>
-              <a:latin typeface="Aptos"/>
+                <a:srgbClr val="000000"/>
+              </a:solidFill>
+              <a:latin typeface="XO Oriel"/>
             </a:endParaRPr>
           </a:p>
         </p:txBody>
@@ -4079,7 +4456,7 @@
       </p:grpSpPr>
       <p:sp>
         <p:nvSpPr>
-          <p:cNvPr id="51" name="PlaceHolder 1"/>
+          <p:cNvPr id="53" name="PlaceHolder 1"/>
           <p:cNvSpPr>
             <a:spLocks noGrp="1"/>
           </p:cNvSpPr>
@@ -4090,7 +4467,7 @@
         <p:spPr>
           <a:xfrm>
             <a:off x="838080" y="365040"/>
-            <a:ext cx="10515240" cy="1325160"/>
+            <a:ext cx="10514880" cy="1324800"/>
           </a:xfrm>
           <a:prstGeom prst="rect">
             <a:avLst/>
@@ -4110,6 +4487,9 @@
                 <a:spcPct val="90000"/>
               </a:lnSpc>
               <a:buNone/>
+              <a:tabLst>
+                <a:tab algn="l" pos="0"/>
+              </a:tabLst>
             </a:pPr>
             <a:r>
               <a:rPr b="0" lang="ru-RU" sz="4400" spc="-1" strike="noStrike">
@@ -4122,16 +4502,16 @@
             </a:r>
             <a:endParaRPr b="0" lang="ru-RU" sz="4400" spc="-1" strike="noStrike">
               <a:solidFill>
-                <a:schemeClr val="dk1"/>
-              </a:solidFill>
-              <a:latin typeface="Aptos"/>
-            </a:endParaRPr>
-          </a:p>
-        </p:txBody>
-      </p:sp>
-      <p:sp>
-        <p:nvSpPr>
-          <p:cNvPr id="52" name="PlaceHolder 2"/>
+                <a:srgbClr val="000000"/>
+              </a:solidFill>
+              <a:latin typeface="XO Oriel"/>
+            </a:endParaRPr>
+          </a:p>
+        </p:txBody>
+      </p:sp>
+      <p:sp>
+        <p:nvSpPr>
+          <p:cNvPr id="54" name="PlaceHolder 2"/>
           <p:cNvSpPr>
             <a:spLocks noGrp="1"/>
           </p:cNvSpPr>
@@ -4142,7 +4522,7 @@
         <p:spPr>
           <a:xfrm>
             <a:off x="838080" y="1825560"/>
-            <a:ext cx="10515240" cy="4350960"/>
+            <a:ext cx="10514880" cy="4350600"/>
           </a:xfrm>
           <a:prstGeom prst="rect">
             <a:avLst/>
@@ -4181,9 +4561,9 @@
             </a:r>
             <a:endParaRPr b="0" lang="ru-RU" sz="2800" spc="-1" strike="noStrike">
               <a:solidFill>
-                <a:schemeClr val="dk1"/>
-              </a:solidFill>
-              <a:latin typeface="Aptos"/>
+                <a:srgbClr val="000000"/>
+              </a:solidFill>
+              <a:latin typeface="XO Oriel"/>
             </a:endParaRPr>
           </a:p>
           <a:p>
@@ -4207,13 +4587,13 @@
                 </a:solidFill>
                 <a:latin typeface="Aptos"/>
               </a:rPr>
-              <a:t>В конце игры, при смерти игрока(когда игрок падает ниже экрана) вы можете посмотреть счет на финальном окне</a:t>
+              <a:t>Около каждого уровня отображается рекорд в этом в уровне</a:t>
             </a:r>
             <a:endParaRPr b="0" lang="ru-RU" sz="2800" spc="-1" strike="noStrike">
               <a:solidFill>
-                <a:schemeClr val="dk1"/>
-              </a:solidFill>
-              <a:latin typeface="Aptos"/>
+                <a:srgbClr val="000000"/>
+              </a:solidFill>
+              <a:latin typeface="XO Oriel"/>
             </a:endParaRPr>
           </a:p>
           <a:p>
@@ -4237,6 +4617,36 @@
                 </a:solidFill>
                 <a:latin typeface="Aptos"/>
               </a:rPr>
+              <a:t>В конце игры, при смерти игрока(когда игрок падает ниже экрана) вы можете посмотреть счет на финальном окне</a:t>
+            </a:r>
+            <a:endParaRPr b="0" lang="ru-RU" sz="2800" spc="-1" strike="noStrike">
+              <a:solidFill>
+                <a:srgbClr val="000000"/>
+              </a:solidFill>
+              <a:latin typeface="XO Oriel"/>
+            </a:endParaRPr>
+          </a:p>
+          <a:p>
+            <a:pPr marL="228600" indent="-228600" defTabSz="914400">
+              <a:lnSpc>
+                <a:spcPct val="90000"/>
+              </a:lnSpc>
+              <a:spcBef>
+                <a:spcPts val="1001"/>
+              </a:spcBef>
+              <a:buClr>
+                <a:srgbClr val="000000"/>
+              </a:buClr>
+              <a:buFont typeface="Arial"/>
+              <a:buChar char="•"/>
+            </a:pPr>
+            <a:r>
+              <a:rPr b="0" lang="ru-RU" sz="2800" spc="-1" strike="noStrike">
+                <a:solidFill>
+                  <a:schemeClr val="dk1"/>
+                </a:solidFill>
+                <a:latin typeface="Aptos"/>
+              </a:rPr>
               <a:t>Чтобы перейти к выбору уровней, надо нажать на </a:t>
             </a:r>
             <a:r>
@@ -4250,9 +4660,9 @@
             </a:r>
             <a:endParaRPr b="0" lang="ru-RU" sz="2800" spc="-1" strike="noStrike">
               <a:solidFill>
-                <a:schemeClr val="dk1"/>
-              </a:solidFill>
-              <a:latin typeface="Aptos"/>
+                <a:srgbClr val="000000"/>
+              </a:solidFill>
+              <a:latin typeface="XO Oriel"/>
             </a:endParaRPr>
           </a:p>
         </p:txBody>
